--- a/04_ChainesFermees/TD_02_LoisES_SimulateurConduite/images/Figures.pptx
+++ b/04_ChainesFermees/TD_02_LoisES_SimulateurConduite/images/Figures.pptx
@@ -6,8 +6,9 @@
   </p:sldMasterIdLst>
   <p:sldIdLst>
     <p:sldId id="256" r:id="rId2"/>
-    <p:sldId id="257" r:id="rId3"/>
-    <p:sldId id="258" r:id="rId4"/>
+    <p:sldId id="259" r:id="rId3"/>
+    <p:sldId id="257" r:id="rId4"/>
+    <p:sldId id="258" r:id="rId5"/>
   </p:sldIdLst>
   <p:sldSz cx="9144000" cy="6858000" type="screen4x3"/>
   <p:notesSz cx="6858000" cy="9144000"/>
@@ -290,7 +291,7 @@
           <a:p>
             <a:fld id="{AA309A6D-C09C-4548-B29A-6CF363A7E532}" type="datetimeFigureOut">
               <a:rPr lang="fr-FR" smtClean="0"/>
-              <a:t>07/07/2014</a:t>
+              <a:t>04/11/2014</a:t>
             </a:fld>
             <a:endParaRPr lang="fr-BE"/>
           </a:p>
@@ -455,7 +456,7 @@
           <a:p>
             <a:fld id="{AA309A6D-C09C-4548-B29A-6CF363A7E532}" type="datetimeFigureOut">
               <a:rPr lang="fr-FR" smtClean="0"/>
-              <a:t>07/07/2014</a:t>
+              <a:t>04/11/2014</a:t>
             </a:fld>
             <a:endParaRPr lang="fr-BE"/>
           </a:p>
@@ -630,7 +631,7 @@
           <a:p>
             <a:fld id="{AA309A6D-C09C-4548-B29A-6CF363A7E532}" type="datetimeFigureOut">
               <a:rPr lang="fr-FR" smtClean="0"/>
-              <a:t>07/07/2014</a:t>
+              <a:t>04/11/2014</a:t>
             </a:fld>
             <a:endParaRPr lang="fr-BE"/>
           </a:p>
@@ -795,7 +796,7 @@
           <a:p>
             <a:fld id="{AA309A6D-C09C-4548-B29A-6CF363A7E532}" type="datetimeFigureOut">
               <a:rPr lang="fr-FR" smtClean="0"/>
-              <a:t>07/07/2014</a:t>
+              <a:t>04/11/2014</a:t>
             </a:fld>
             <a:endParaRPr lang="fr-BE"/>
           </a:p>
@@ -1036,7 +1037,7 @@
           <a:p>
             <a:fld id="{AA309A6D-C09C-4548-B29A-6CF363A7E532}" type="datetimeFigureOut">
               <a:rPr lang="fr-FR" smtClean="0"/>
-              <a:t>07/07/2014</a:t>
+              <a:t>04/11/2014</a:t>
             </a:fld>
             <a:endParaRPr lang="fr-BE"/>
           </a:p>
@@ -1319,7 +1320,7 @@
           <a:p>
             <a:fld id="{AA309A6D-C09C-4548-B29A-6CF363A7E532}" type="datetimeFigureOut">
               <a:rPr lang="fr-FR" smtClean="0"/>
-              <a:t>07/07/2014</a:t>
+              <a:t>04/11/2014</a:t>
             </a:fld>
             <a:endParaRPr lang="fr-BE"/>
           </a:p>
@@ -1736,7 +1737,7 @@
           <a:p>
             <a:fld id="{AA309A6D-C09C-4548-B29A-6CF363A7E532}" type="datetimeFigureOut">
               <a:rPr lang="fr-FR" smtClean="0"/>
-              <a:t>07/07/2014</a:t>
+              <a:t>04/11/2014</a:t>
             </a:fld>
             <a:endParaRPr lang="fr-BE"/>
           </a:p>
@@ -1849,7 +1850,7 @@
           <a:p>
             <a:fld id="{AA309A6D-C09C-4548-B29A-6CF363A7E532}" type="datetimeFigureOut">
               <a:rPr lang="fr-FR" smtClean="0"/>
-              <a:t>07/07/2014</a:t>
+              <a:t>04/11/2014</a:t>
             </a:fld>
             <a:endParaRPr lang="fr-BE"/>
           </a:p>
@@ -1939,7 +1940,7 @@
           <a:p>
             <a:fld id="{AA309A6D-C09C-4548-B29A-6CF363A7E532}" type="datetimeFigureOut">
               <a:rPr lang="fr-FR" smtClean="0"/>
-              <a:t>07/07/2014</a:t>
+              <a:t>04/11/2014</a:t>
             </a:fld>
             <a:endParaRPr lang="fr-BE"/>
           </a:p>
@@ -2211,7 +2212,7 @@
           <a:p>
             <a:fld id="{AA309A6D-C09C-4548-B29A-6CF363A7E532}" type="datetimeFigureOut">
               <a:rPr lang="fr-FR" smtClean="0"/>
-              <a:t>07/07/2014</a:t>
+              <a:t>04/11/2014</a:t>
             </a:fld>
             <a:endParaRPr lang="fr-BE"/>
           </a:p>
@@ -2459,7 +2460,7 @@
           <a:p>
             <a:fld id="{AA309A6D-C09C-4548-B29A-6CF363A7E532}" type="datetimeFigureOut">
               <a:rPr lang="fr-FR" smtClean="0"/>
-              <a:t>07/07/2014</a:t>
+              <a:t>04/11/2014</a:t>
             </a:fld>
             <a:endParaRPr lang="fr-BE"/>
           </a:p>
@@ -2667,7 +2668,7 @@
           <a:p>
             <a:fld id="{AA309A6D-C09C-4548-B29A-6CF363A7E532}" type="datetimeFigureOut">
               <a:rPr lang="fr-FR" smtClean="0"/>
-              <a:t>07/07/2014</a:t>
+              <a:t>04/11/2014</a:t>
             </a:fld>
             <a:endParaRPr lang="fr-BE"/>
           </a:p>
@@ -3039,6 +3040,2512 @@
       </p:grpSpPr>
       <p:pic>
         <p:nvPicPr>
+          <p:cNvPr id="2" name="Picture 2" descr="C:\Enseignements\GitHub\03_Etude_Cinematique_Systemes_Solides_Chaine_Energie_Analyser_Modeliser_Resoudre\04_ChainesFermees\TD_02_LoisES_SimulateurConduite\images\Simulateur4.png"/>
+          <p:cNvPicPr>
+            <a:picLocks noChangeAspect="1" noChangeArrowheads="1"/>
+          </p:cNvPicPr>
+          <p:nvPr/>
+        </p:nvPicPr>
+        <p:blipFill>
+          <a:blip r:embed="rId2">
+            <a:extLst>
+              <a:ext uri="{28A0092B-C50C-407E-A947-70E740481C1C}">
+                <a14:useLocalDpi xmlns:a14="http://schemas.microsoft.com/office/drawing/2010/main" val="0"/>
+              </a:ext>
+            </a:extLst>
+          </a:blip>
+          <a:srcRect/>
+          <a:stretch>
+            <a:fillRect/>
+          </a:stretch>
+        </p:blipFill>
+        <p:spPr bwMode="auto">
+          <a:xfrm>
+            <a:off x="1601603" y="182233"/>
+            <a:ext cx="5514975" cy="5838825"/>
+          </a:xfrm>
+          <a:prstGeom prst="rect">
+            <a:avLst/>
+          </a:prstGeom>
+          <a:noFill/>
+          <a:extLst>
+            <a:ext uri="{909E8E84-426E-40DD-AFC4-6F175D3DCCD1}">
+              <a14:hiddenFill xmlns:a14="http://schemas.microsoft.com/office/drawing/2010/main">
+                <a:solidFill>
+                  <a:srgbClr val="FFFFFF"/>
+                </a:solidFill>
+              </a14:hiddenFill>
+            </a:ext>
+          </a:extLst>
+        </p:spPr>
+      </p:pic>
+      <p:cxnSp>
+        <p:nvCxnSpPr>
+          <p:cNvPr id="88" name="Connecteur droit 87"/>
+          <p:cNvCxnSpPr/>
+          <p:nvPr/>
+        </p:nvCxnSpPr>
+        <p:spPr>
+          <a:xfrm rot="20700000">
+            <a:off x="3670894" y="3060327"/>
+            <a:ext cx="179662" cy="71962"/>
+          </a:xfrm>
+          <a:prstGeom prst="line">
+            <a:avLst/>
+          </a:prstGeom>
+          <a:ln w="28575">
+            <a:solidFill>
+              <a:srgbClr val="FF0000"/>
+            </a:solidFill>
+          </a:ln>
+        </p:spPr>
+        <p:style>
+          <a:lnRef idx="1">
+            <a:schemeClr val="accent1"/>
+          </a:lnRef>
+          <a:fillRef idx="0">
+            <a:schemeClr val="accent1"/>
+          </a:fillRef>
+          <a:effectRef idx="0">
+            <a:schemeClr val="accent1"/>
+          </a:effectRef>
+          <a:fontRef idx="minor">
+            <a:schemeClr val="tx1"/>
+          </a:fontRef>
+        </p:style>
+      </p:cxnSp>
+      <p:cxnSp>
+        <p:nvCxnSpPr>
+          <p:cNvPr id="68" name="Connecteur droit 67"/>
+          <p:cNvCxnSpPr/>
+          <p:nvPr/>
+        </p:nvCxnSpPr>
+        <p:spPr>
+          <a:xfrm>
+            <a:off x="2991136" y="2467814"/>
+            <a:ext cx="179662" cy="71962"/>
+          </a:xfrm>
+          <a:prstGeom prst="line">
+            <a:avLst/>
+          </a:prstGeom>
+          <a:ln w="28575">
+            <a:solidFill>
+              <a:srgbClr val="FF0000"/>
+            </a:solidFill>
+          </a:ln>
+        </p:spPr>
+        <p:style>
+          <a:lnRef idx="1">
+            <a:schemeClr val="accent1"/>
+          </a:lnRef>
+          <a:fillRef idx="0">
+            <a:schemeClr val="accent1"/>
+          </a:fillRef>
+          <a:effectRef idx="0">
+            <a:schemeClr val="accent1"/>
+          </a:effectRef>
+          <a:fontRef idx="minor">
+            <a:schemeClr val="tx1"/>
+          </a:fontRef>
+        </p:style>
+      </p:cxnSp>
+      <p:cxnSp>
+        <p:nvCxnSpPr>
+          <p:cNvPr id="65" name="Connecteur droit 64"/>
+          <p:cNvCxnSpPr/>
+          <p:nvPr/>
+        </p:nvCxnSpPr>
+        <p:spPr>
+          <a:xfrm>
+            <a:off x="3047266" y="2448435"/>
+            <a:ext cx="57537" cy="97429"/>
+          </a:xfrm>
+          <a:prstGeom prst="line">
+            <a:avLst/>
+          </a:prstGeom>
+          <a:ln w="28575">
+            <a:solidFill>
+              <a:srgbClr val="FF0000"/>
+            </a:solidFill>
+          </a:ln>
+        </p:spPr>
+        <p:style>
+          <a:lnRef idx="1">
+            <a:schemeClr val="accent1"/>
+          </a:lnRef>
+          <a:fillRef idx="0">
+            <a:schemeClr val="accent1"/>
+          </a:fillRef>
+          <a:effectRef idx="0">
+            <a:schemeClr val="accent1"/>
+          </a:effectRef>
+          <a:fontRef idx="minor">
+            <a:schemeClr val="tx1"/>
+          </a:fontRef>
+        </p:style>
+      </p:cxnSp>
+      <p:cxnSp>
+        <p:nvCxnSpPr>
+          <p:cNvPr id="5" name="Connecteur droit 4"/>
+          <p:cNvCxnSpPr/>
+          <p:nvPr/>
+        </p:nvCxnSpPr>
+        <p:spPr>
+          <a:xfrm>
+            <a:off x="2144606" y="4059084"/>
+            <a:ext cx="753154" cy="1260168"/>
+          </a:xfrm>
+          <a:prstGeom prst="line">
+            <a:avLst/>
+          </a:prstGeom>
+          <a:ln w="28575">
+            <a:solidFill>
+              <a:schemeClr val="tx1"/>
+            </a:solidFill>
+          </a:ln>
+        </p:spPr>
+        <p:style>
+          <a:lnRef idx="1">
+            <a:schemeClr val="accent1"/>
+          </a:lnRef>
+          <a:fillRef idx="0">
+            <a:schemeClr val="accent1"/>
+          </a:fillRef>
+          <a:effectRef idx="0">
+            <a:schemeClr val="accent1"/>
+          </a:effectRef>
+          <a:fontRef idx="minor">
+            <a:schemeClr val="tx1"/>
+          </a:fontRef>
+        </p:style>
+      </p:cxnSp>
+      <p:sp>
+        <p:nvSpPr>
+          <p:cNvPr id="10" name="Ellipse 9"/>
+          <p:cNvSpPr/>
+          <p:nvPr/>
+        </p:nvSpPr>
+        <p:spPr>
+          <a:xfrm>
+            <a:off x="1964581" y="3879060"/>
+            <a:ext cx="180024" cy="180024"/>
+          </a:xfrm>
+          <a:prstGeom prst="ellipse">
+            <a:avLst/>
+          </a:prstGeom>
+          <a:ln w="28575">
+            <a:solidFill>
+              <a:srgbClr val="FF0000"/>
+            </a:solidFill>
+          </a:ln>
+        </p:spPr>
+        <p:style>
+          <a:lnRef idx="1">
+            <a:schemeClr val="accent1"/>
+          </a:lnRef>
+          <a:fillRef idx="0">
+            <a:schemeClr val="accent1"/>
+          </a:fillRef>
+          <a:effectRef idx="0">
+            <a:schemeClr val="accent1"/>
+          </a:effectRef>
+          <a:fontRef idx="minor">
+            <a:schemeClr val="tx1"/>
+          </a:fontRef>
+        </p:style>
+        <p:txBody>
+          <a:bodyPr rtlCol="0" anchor="ctr"/>
+          <a:lstStyle/>
+          <a:p>
+            <a:pPr algn="ctr"/>
+            <a:endParaRPr lang="fr-FR"/>
+          </a:p>
+        </p:txBody>
+      </p:sp>
+      <p:sp>
+        <p:nvSpPr>
+          <p:cNvPr id="14" name="Arc 13"/>
+          <p:cNvSpPr/>
+          <p:nvPr/>
+        </p:nvSpPr>
+        <p:spPr>
+          <a:xfrm>
+            <a:off x="1928593" y="3843072"/>
+            <a:ext cx="252000" cy="252000"/>
+          </a:xfrm>
+          <a:prstGeom prst="arc">
+            <a:avLst>
+              <a:gd name="adj1" fmla="val 20517098"/>
+              <a:gd name="adj2" fmla="val 14815998"/>
+            </a:avLst>
+          </a:prstGeom>
+          <a:noFill/>
+          <a:ln w="28575">
+            <a:solidFill>
+              <a:schemeClr val="tx1"/>
+            </a:solidFill>
+          </a:ln>
+        </p:spPr>
+        <p:style>
+          <a:lnRef idx="2">
+            <a:schemeClr val="accent1">
+              <a:shade val="50000"/>
+            </a:schemeClr>
+          </a:lnRef>
+          <a:fillRef idx="1">
+            <a:schemeClr val="accent1"/>
+          </a:fillRef>
+          <a:effectRef idx="0">
+            <a:schemeClr val="accent1"/>
+          </a:effectRef>
+          <a:fontRef idx="minor">
+            <a:schemeClr val="lt1"/>
+          </a:fontRef>
+        </p:style>
+        <p:txBody>
+          <a:bodyPr rtlCol="0" anchor="ctr"/>
+          <a:lstStyle/>
+          <a:p>
+            <a:pPr algn="ctr"/>
+            <a:endParaRPr lang="fr-FR">
+              <a:solidFill>
+                <a:schemeClr val="lt1"/>
+              </a:solidFill>
+            </a:endParaRPr>
+          </a:p>
+        </p:txBody>
+      </p:sp>
+      <p:sp>
+        <p:nvSpPr>
+          <p:cNvPr id="16" name="Ellipse 15"/>
+          <p:cNvSpPr/>
+          <p:nvPr/>
+        </p:nvSpPr>
+        <p:spPr>
+          <a:xfrm>
+            <a:off x="2897760" y="5355240"/>
+            <a:ext cx="180024" cy="180024"/>
+          </a:xfrm>
+          <a:prstGeom prst="ellipse">
+            <a:avLst/>
+          </a:prstGeom>
+          <a:ln w="28575">
+            <a:solidFill>
+              <a:srgbClr val="FF0000"/>
+            </a:solidFill>
+          </a:ln>
+        </p:spPr>
+        <p:style>
+          <a:lnRef idx="1">
+            <a:schemeClr val="accent1"/>
+          </a:lnRef>
+          <a:fillRef idx="0">
+            <a:schemeClr val="accent1"/>
+          </a:fillRef>
+          <a:effectRef idx="0">
+            <a:schemeClr val="accent1"/>
+          </a:effectRef>
+          <a:fontRef idx="minor">
+            <a:schemeClr val="tx1"/>
+          </a:fontRef>
+        </p:style>
+        <p:txBody>
+          <a:bodyPr rtlCol="0" anchor="ctr"/>
+          <a:lstStyle/>
+          <a:p>
+            <a:pPr algn="ctr"/>
+            <a:endParaRPr lang="fr-FR"/>
+          </a:p>
+        </p:txBody>
+      </p:sp>
+      <p:sp>
+        <p:nvSpPr>
+          <p:cNvPr id="17" name="Arc 16"/>
+          <p:cNvSpPr/>
+          <p:nvPr/>
+        </p:nvSpPr>
+        <p:spPr>
+          <a:xfrm>
+            <a:off x="2861772" y="5319252"/>
+            <a:ext cx="252000" cy="252000"/>
+          </a:xfrm>
+          <a:prstGeom prst="arc">
+            <a:avLst>
+              <a:gd name="adj1" fmla="val 20609308"/>
+              <a:gd name="adj2" fmla="val 15072205"/>
+            </a:avLst>
+          </a:prstGeom>
+          <a:noFill/>
+          <a:ln w="28575">
+            <a:solidFill>
+              <a:schemeClr val="tx1"/>
+            </a:solidFill>
+          </a:ln>
+        </p:spPr>
+        <p:style>
+          <a:lnRef idx="2">
+            <a:schemeClr val="accent1">
+              <a:shade val="50000"/>
+            </a:schemeClr>
+          </a:lnRef>
+          <a:fillRef idx="1">
+            <a:schemeClr val="accent1"/>
+          </a:fillRef>
+          <a:effectRef idx="0">
+            <a:schemeClr val="accent1"/>
+          </a:effectRef>
+          <a:fontRef idx="minor">
+            <a:schemeClr val="lt1"/>
+          </a:fontRef>
+        </p:style>
+        <p:txBody>
+          <a:bodyPr rtlCol="0" anchor="ctr"/>
+          <a:lstStyle/>
+          <a:p>
+            <a:pPr algn="ctr"/>
+            <a:endParaRPr lang="fr-FR">
+              <a:solidFill>
+                <a:schemeClr val="lt1"/>
+              </a:solidFill>
+            </a:endParaRPr>
+          </a:p>
+        </p:txBody>
+      </p:sp>
+      <p:sp>
+        <p:nvSpPr>
+          <p:cNvPr id="21" name="Ellipse 20"/>
+          <p:cNvSpPr/>
+          <p:nvPr/>
+        </p:nvSpPr>
+        <p:spPr>
+          <a:xfrm>
+            <a:off x="3973632" y="1976471"/>
+            <a:ext cx="180024" cy="180024"/>
+          </a:xfrm>
+          <a:prstGeom prst="ellipse">
+            <a:avLst/>
+          </a:prstGeom>
+          <a:noFill/>
+          <a:ln w="28575"/>
+        </p:spPr>
+        <p:style>
+          <a:lnRef idx="2">
+            <a:schemeClr val="accent1">
+              <a:shade val="50000"/>
+            </a:schemeClr>
+          </a:lnRef>
+          <a:fillRef idx="1">
+            <a:schemeClr val="accent1"/>
+          </a:fillRef>
+          <a:effectRef idx="0">
+            <a:schemeClr val="accent1"/>
+          </a:effectRef>
+          <a:fontRef idx="minor">
+            <a:schemeClr val="lt1"/>
+          </a:fontRef>
+        </p:style>
+        <p:txBody>
+          <a:bodyPr rtlCol="0" anchor="ctr"/>
+          <a:lstStyle/>
+          <a:p>
+            <a:pPr algn="ctr"/>
+            <a:endParaRPr lang="fr-FR"/>
+          </a:p>
+        </p:txBody>
+      </p:sp>
+      <p:sp>
+        <p:nvSpPr>
+          <p:cNvPr id="22" name="Arc 21"/>
+          <p:cNvSpPr/>
+          <p:nvPr/>
+        </p:nvSpPr>
+        <p:spPr>
+          <a:xfrm>
+            <a:off x="3937644" y="1940483"/>
+            <a:ext cx="252000" cy="252000"/>
+          </a:xfrm>
+          <a:prstGeom prst="arc">
+            <a:avLst>
+              <a:gd name="adj1" fmla="val 8480421"/>
+              <a:gd name="adj2" fmla="val 21396509"/>
+            </a:avLst>
+          </a:prstGeom>
+          <a:noFill/>
+          <a:ln w="28575">
+            <a:solidFill>
+              <a:srgbClr val="00B050"/>
+            </a:solidFill>
+          </a:ln>
+        </p:spPr>
+        <p:style>
+          <a:lnRef idx="2">
+            <a:schemeClr val="accent1">
+              <a:shade val="50000"/>
+            </a:schemeClr>
+          </a:lnRef>
+          <a:fillRef idx="1">
+            <a:schemeClr val="accent1"/>
+          </a:fillRef>
+          <a:effectRef idx="0">
+            <a:schemeClr val="accent1"/>
+          </a:effectRef>
+          <a:fontRef idx="minor">
+            <a:schemeClr val="lt1"/>
+          </a:fontRef>
+        </p:style>
+        <p:txBody>
+          <a:bodyPr rtlCol="0" anchor="ctr"/>
+          <a:lstStyle/>
+          <a:p>
+            <a:pPr algn="ctr"/>
+            <a:endParaRPr lang="fr-FR">
+              <a:solidFill>
+                <a:schemeClr val="lt1"/>
+              </a:solidFill>
+            </a:endParaRPr>
+          </a:p>
+        </p:txBody>
+      </p:sp>
+      <p:sp>
+        <p:nvSpPr>
+          <p:cNvPr id="23" name="Ellipse 22"/>
+          <p:cNvSpPr/>
+          <p:nvPr/>
+        </p:nvSpPr>
+        <p:spPr>
+          <a:xfrm>
+            <a:off x="3455403" y="1718772"/>
+            <a:ext cx="180024" cy="180024"/>
+          </a:xfrm>
+          <a:prstGeom prst="ellipse">
+            <a:avLst/>
+          </a:prstGeom>
+          <a:noFill/>
+          <a:ln w="28575"/>
+        </p:spPr>
+        <p:style>
+          <a:lnRef idx="2">
+            <a:schemeClr val="accent1">
+              <a:shade val="50000"/>
+            </a:schemeClr>
+          </a:lnRef>
+          <a:fillRef idx="1">
+            <a:schemeClr val="accent1"/>
+          </a:fillRef>
+          <a:effectRef idx="0">
+            <a:schemeClr val="accent1"/>
+          </a:effectRef>
+          <a:fontRef idx="minor">
+            <a:schemeClr val="lt1"/>
+          </a:fontRef>
+        </p:style>
+        <p:txBody>
+          <a:bodyPr rtlCol="0" anchor="ctr"/>
+          <a:lstStyle/>
+          <a:p>
+            <a:pPr algn="ctr"/>
+            <a:endParaRPr lang="fr-FR"/>
+          </a:p>
+        </p:txBody>
+      </p:sp>
+      <p:sp>
+        <p:nvSpPr>
+          <p:cNvPr id="24" name="Arc 23"/>
+          <p:cNvSpPr/>
+          <p:nvPr/>
+        </p:nvSpPr>
+        <p:spPr>
+          <a:xfrm>
+            <a:off x="3419415" y="1682784"/>
+            <a:ext cx="252000" cy="252000"/>
+          </a:xfrm>
+          <a:prstGeom prst="arc">
+            <a:avLst>
+              <a:gd name="adj1" fmla="val 11438418"/>
+              <a:gd name="adj2" fmla="val 4773386"/>
+            </a:avLst>
+          </a:prstGeom>
+          <a:noFill/>
+          <a:ln w="28575">
+            <a:solidFill>
+              <a:srgbClr val="00B050"/>
+            </a:solidFill>
+          </a:ln>
+        </p:spPr>
+        <p:style>
+          <a:lnRef idx="2">
+            <a:schemeClr val="accent1">
+              <a:shade val="50000"/>
+            </a:schemeClr>
+          </a:lnRef>
+          <a:fillRef idx="1">
+            <a:schemeClr val="accent1"/>
+          </a:fillRef>
+          <a:effectRef idx="0">
+            <a:schemeClr val="accent1"/>
+          </a:effectRef>
+          <a:fontRef idx="minor">
+            <a:schemeClr val="lt1"/>
+          </a:fontRef>
+        </p:style>
+        <p:txBody>
+          <a:bodyPr rtlCol="0" anchor="ctr"/>
+          <a:lstStyle/>
+          <a:p>
+            <a:pPr algn="ctr"/>
+            <a:endParaRPr lang="fr-FR">
+              <a:solidFill>
+                <a:schemeClr val="lt1"/>
+              </a:solidFill>
+            </a:endParaRPr>
+          </a:p>
+        </p:txBody>
+      </p:sp>
+      <p:cxnSp>
+        <p:nvCxnSpPr>
+          <p:cNvPr id="27" name="Connecteur droit 26"/>
+          <p:cNvCxnSpPr>
+            <a:stCxn id="23" idx="3"/>
+          </p:cNvCxnSpPr>
+          <p:nvPr/>
+        </p:nvCxnSpPr>
+        <p:spPr>
+          <a:xfrm flipH="1">
+            <a:off x="3080313" y="1872432"/>
+            <a:ext cx="401454" cy="598561"/>
+          </a:xfrm>
+          <a:prstGeom prst="line">
+            <a:avLst/>
+          </a:prstGeom>
+          <a:noFill/>
+          <a:ln w="28575"/>
+        </p:spPr>
+        <p:style>
+          <a:lnRef idx="2">
+            <a:schemeClr val="accent1">
+              <a:shade val="50000"/>
+            </a:schemeClr>
+          </a:lnRef>
+          <a:fillRef idx="1">
+            <a:schemeClr val="accent1"/>
+          </a:fillRef>
+          <a:effectRef idx="0">
+            <a:schemeClr val="accent1"/>
+          </a:effectRef>
+          <a:fontRef idx="minor">
+            <a:schemeClr val="lt1"/>
+          </a:fontRef>
+        </p:style>
+      </p:cxnSp>
+      <p:cxnSp>
+        <p:nvCxnSpPr>
+          <p:cNvPr id="32" name="Connecteur droit 31"/>
+          <p:cNvCxnSpPr/>
+          <p:nvPr/>
+        </p:nvCxnSpPr>
+        <p:spPr>
+          <a:xfrm flipH="1">
+            <a:off x="2773111" y="2470993"/>
+            <a:ext cx="214661" cy="320055"/>
+          </a:xfrm>
+          <a:prstGeom prst="line">
+            <a:avLst/>
+          </a:prstGeom>
+          <a:ln w="28575">
+            <a:solidFill>
+              <a:srgbClr val="FF0000"/>
+            </a:solidFill>
+          </a:ln>
+        </p:spPr>
+        <p:style>
+          <a:lnRef idx="1">
+            <a:schemeClr val="accent1"/>
+          </a:lnRef>
+          <a:fillRef idx="0">
+            <a:schemeClr val="accent1"/>
+          </a:fillRef>
+          <a:effectRef idx="0">
+            <a:schemeClr val="accent1"/>
+          </a:effectRef>
+          <a:fontRef idx="minor">
+            <a:schemeClr val="tx1"/>
+          </a:fontRef>
+        </p:style>
+      </p:cxnSp>
+      <p:cxnSp>
+        <p:nvCxnSpPr>
+          <p:cNvPr id="41" name="Connecteur droit 40"/>
+          <p:cNvCxnSpPr/>
+          <p:nvPr/>
+        </p:nvCxnSpPr>
+        <p:spPr>
+          <a:xfrm flipH="1" flipV="1">
+            <a:off x="2977973" y="2461430"/>
+            <a:ext cx="135799" cy="91080"/>
+          </a:xfrm>
+          <a:prstGeom prst="line">
+            <a:avLst/>
+          </a:prstGeom>
+          <a:ln w="28575">
+            <a:solidFill>
+              <a:srgbClr val="FF0000"/>
+            </a:solidFill>
+          </a:ln>
+        </p:spPr>
+        <p:style>
+          <a:lnRef idx="1">
+            <a:schemeClr val="accent1"/>
+          </a:lnRef>
+          <a:fillRef idx="0">
+            <a:schemeClr val="accent1"/>
+          </a:fillRef>
+          <a:effectRef idx="0">
+            <a:schemeClr val="accent1"/>
+          </a:effectRef>
+          <a:fontRef idx="minor">
+            <a:schemeClr val="tx1"/>
+          </a:fontRef>
+        </p:style>
+      </p:cxnSp>
+      <p:cxnSp>
+        <p:nvCxnSpPr>
+          <p:cNvPr id="43" name="Connecteur droit 42"/>
+          <p:cNvCxnSpPr/>
+          <p:nvPr/>
+        </p:nvCxnSpPr>
+        <p:spPr>
+          <a:xfrm flipH="1">
+            <a:off x="2899111" y="2552510"/>
+            <a:ext cx="214661" cy="320055"/>
+          </a:xfrm>
+          <a:prstGeom prst="line">
+            <a:avLst/>
+          </a:prstGeom>
+          <a:ln w="28575">
+            <a:solidFill>
+              <a:srgbClr val="FF0000"/>
+            </a:solidFill>
+          </a:ln>
+        </p:spPr>
+        <p:style>
+          <a:lnRef idx="1">
+            <a:schemeClr val="accent1"/>
+          </a:lnRef>
+          <a:fillRef idx="0">
+            <a:schemeClr val="accent1"/>
+          </a:fillRef>
+          <a:effectRef idx="0">
+            <a:schemeClr val="accent1"/>
+          </a:effectRef>
+          <a:fontRef idx="minor">
+            <a:schemeClr val="tx1"/>
+          </a:fontRef>
+        </p:style>
+      </p:cxnSp>
+      <p:cxnSp>
+        <p:nvCxnSpPr>
+          <p:cNvPr id="44" name="Connecteur droit 43"/>
+          <p:cNvCxnSpPr/>
+          <p:nvPr/>
+        </p:nvCxnSpPr>
+        <p:spPr>
+          <a:xfrm flipH="1" flipV="1">
+            <a:off x="2774125" y="2774845"/>
+            <a:ext cx="135799" cy="91080"/>
+          </a:xfrm>
+          <a:prstGeom prst="line">
+            <a:avLst/>
+          </a:prstGeom>
+          <a:ln w="28575">
+            <a:solidFill>
+              <a:srgbClr val="FF0000"/>
+            </a:solidFill>
+          </a:ln>
+        </p:spPr>
+        <p:style>
+          <a:lnRef idx="1">
+            <a:schemeClr val="accent1"/>
+          </a:lnRef>
+          <a:fillRef idx="0">
+            <a:schemeClr val="accent1"/>
+          </a:fillRef>
+          <a:effectRef idx="0">
+            <a:schemeClr val="accent1"/>
+          </a:effectRef>
+          <a:fontRef idx="minor">
+            <a:schemeClr val="tx1"/>
+          </a:fontRef>
+        </p:style>
+      </p:cxnSp>
+      <p:cxnSp>
+        <p:nvCxnSpPr>
+          <p:cNvPr id="45" name="Connecteur droit 44"/>
+          <p:cNvCxnSpPr/>
+          <p:nvPr/>
+        </p:nvCxnSpPr>
+        <p:spPr>
+          <a:xfrm flipH="1">
+            <a:off x="2976952" y="2455081"/>
+            <a:ext cx="68410" cy="15912"/>
+          </a:xfrm>
+          <a:prstGeom prst="line">
+            <a:avLst/>
+          </a:prstGeom>
+          <a:ln w="28575">
+            <a:solidFill>
+              <a:srgbClr val="FF0000"/>
+            </a:solidFill>
+          </a:ln>
+        </p:spPr>
+        <p:style>
+          <a:lnRef idx="1">
+            <a:schemeClr val="accent1"/>
+          </a:lnRef>
+          <a:fillRef idx="0">
+            <a:schemeClr val="accent1"/>
+          </a:fillRef>
+          <a:effectRef idx="0">
+            <a:schemeClr val="accent1"/>
+          </a:effectRef>
+          <a:fontRef idx="minor">
+            <a:schemeClr val="tx1"/>
+          </a:fontRef>
+        </p:style>
+      </p:cxnSp>
+      <p:cxnSp>
+        <p:nvCxnSpPr>
+          <p:cNvPr id="50" name="Connecteur droit 49"/>
+          <p:cNvCxnSpPr/>
+          <p:nvPr/>
+        </p:nvCxnSpPr>
+        <p:spPr>
+          <a:xfrm flipH="1">
+            <a:off x="3099024" y="2536598"/>
+            <a:ext cx="68410" cy="15912"/>
+          </a:xfrm>
+          <a:prstGeom prst="line">
+            <a:avLst/>
+          </a:prstGeom>
+          <a:ln w="28575">
+            <a:solidFill>
+              <a:srgbClr val="FF0000"/>
+            </a:solidFill>
+          </a:ln>
+        </p:spPr>
+        <p:style>
+          <a:lnRef idx="1">
+            <a:schemeClr val="accent1"/>
+          </a:lnRef>
+          <a:fillRef idx="0">
+            <a:schemeClr val="accent1"/>
+          </a:fillRef>
+          <a:effectRef idx="0">
+            <a:schemeClr val="accent1"/>
+          </a:effectRef>
+          <a:fontRef idx="minor">
+            <a:schemeClr val="tx1"/>
+          </a:fontRef>
+        </p:style>
+      </p:cxnSp>
+      <p:cxnSp>
+        <p:nvCxnSpPr>
+          <p:cNvPr id="51" name="Connecteur droit 50"/>
+          <p:cNvCxnSpPr/>
+          <p:nvPr/>
+        </p:nvCxnSpPr>
+        <p:spPr>
+          <a:xfrm flipH="1" flipV="1">
+            <a:off x="3034999" y="2453474"/>
+            <a:ext cx="135799" cy="91080"/>
+          </a:xfrm>
+          <a:prstGeom prst="line">
+            <a:avLst/>
+          </a:prstGeom>
+          <a:ln w="28575">
+            <a:solidFill>
+              <a:srgbClr val="FF0000"/>
+            </a:solidFill>
+          </a:ln>
+        </p:spPr>
+        <p:style>
+          <a:lnRef idx="1">
+            <a:schemeClr val="accent1"/>
+          </a:lnRef>
+          <a:fillRef idx="0">
+            <a:schemeClr val="accent1"/>
+          </a:fillRef>
+          <a:effectRef idx="0">
+            <a:schemeClr val="accent1"/>
+          </a:effectRef>
+          <a:fontRef idx="minor">
+            <a:schemeClr val="tx1"/>
+          </a:fontRef>
+        </p:style>
+      </p:cxnSp>
+      <p:cxnSp>
+        <p:nvCxnSpPr>
+          <p:cNvPr id="52" name="Connecteur droit 51"/>
+          <p:cNvCxnSpPr/>
+          <p:nvPr/>
+        </p:nvCxnSpPr>
+        <p:spPr>
+          <a:xfrm flipH="1">
+            <a:off x="2956137" y="2533392"/>
+            <a:ext cx="214661" cy="320055"/>
+          </a:xfrm>
+          <a:prstGeom prst="line">
+            <a:avLst/>
+          </a:prstGeom>
+          <a:ln w="28575">
+            <a:solidFill>
+              <a:srgbClr val="FF0000"/>
+            </a:solidFill>
+          </a:ln>
+        </p:spPr>
+        <p:style>
+          <a:lnRef idx="1">
+            <a:schemeClr val="accent1"/>
+          </a:lnRef>
+          <a:fillRef idx="0">
+            <a:schemeClr val="accent1"/>
+          </a:fillRef>
+          <a:effectRef idx="0">
+            <a:schemeClr val="accent1"/>
+          </a:effectRef>
+          <a:fontRef idx="minor">
+            <a:schemeClr val="tx1"/>
+          </a:fontRef>
+        </p:style>
+      </p:cxnSp>
+      <p:cxnSp>
+        <p:nvCxnSpPr>
+          <p:cNvPr id="53" name="Connecteur droit 52"/>
+          <p:cNvCxnSpPr/>
+          <p:nvPr/>
+        </p:nvCxnSpPr>
+        <p:spPr>
+          <a:xfrm flipH="1">
+            <a:off x="2897760" y="2850013"/>
+            <a:ext cx="68410" cy="15912"/>
+          </a:xfrm>
+          <a:prstGeom prst="line">
+            <a:avLst/>
+          </a:prstGeom>
+          <a:ln w="28575">
+            <a:solidFill>
+              <a:srgbClr val="FF0000"/>
+            </a:solidFill>
+          </a:ln>
+        </p:spPr>
+        <p:style>
+          <a:lnRef idx="1">
+            <a:schemeClr val="accent1"/>
+          </a:lnRef>
+          <a:fillRef idx="0">
+            <a:schemeClr val="accent1"/>
+          </a:fillRef>
+          <a:effectRef idx="0">
+            <a:schemeClr val="accent1"/>
+          </a:effectRef>
+          <a:fontRef idx="minor">
+            <a:schemeClr val="tx1"/>
+          </a:fontRef>
+        </p:style>
+      </p:cxnSp>
+      <p:cxnSp>
+        <p:nvCxnSpPr>
+          <p:cNvPr id="54" name="Connecteur droit 53"/>
+          <p:cNvCxnSpPr/>
+          <p:nvPr/>
+        </p:nvCxnSpPr>
+        <p:spPr>
+          <a:xfrm flipH="1">
+            <a:off x="2122097" y="2955153"/>
+            <a:ext cx="624091" cy="930509"/>
+          </a:xfrm>
+          <a:prstGeom prst="line">
+            <a:avLst/>
+          </a:prstGeom>
+          <a:ln w="28575">
+            <a:solidFill>
+              <a:srgbClr val="FF0000"/>
+            </a:solidFill>
+          </a:ln>
+        </p:spPr>
+        <p:style>
+          <a:lnRef idx="1">
+            <a:schemeClr val="accent1"/>
+          </a:lnRef>
+          <a:fillRef idx="0">
+            <a:schemeClr val="accent1"/>
+          </a:fillRef>
+          <a:effectRef idx="0">
+            <a:schemeClr val="accent1"/>
+          </a:effectRef>
+          <a:fontRef idx="minor">
+            <a:schemeClr val="tx1"/>
+          </a:fontRef>
+        </p:style>
+      </p:cxnSp>
+      <p:cxnSp>
+        <p:nvCxnSpPr>
+          <p:cNvPr id="57" name="Connecteur droit 56"/>
+          <p:cNvCxnSpPr/>
+          <p:nvPr/>
+        </p:nvCxnSpPr>
+        <p:spPr>
+          <a:xfrm flipH="1" flipV="1">
+            <a:off x="2829860" y="2575175"/>
+            <a:ext cx="67901" cy="45540"/>
+          </a:xfrm>
+          <a:prstGeom prst="line">
+            <a:avLst/>
+          </a:prstGeom>
+          <a:ln w="28575">
+            <a:solidFill>
+              <a:srgbClr val="FF0000"/>
+            </a:solidFill>
+          </a:ln>
+        </p:spPr>
+        <p:style>
+          <a:lnRef idx="1">
+            <a:schemeClr val="accent1"/>
+          </a:lnRef>
+          <a:fillRef idx="0">
+            <a:schemeClr val="accent1"/>
+          </a:fillRef>
+          <a:effectRef idx="0">
+            <a:schemeClr val="accent1"/>
+          </a:effectRef>
+          <a:fontRef idx="minor">
+            <a:schemeClr val="tx1"/>
+          </a:fontRef>
+        </p:style>
+      </p:cxnSp>
+      <p:cxnSp>
+        <p:nvCxnSpPr>
+          <p:cNvPr id="59" name="Connecteur droit 58"/>
+          <p:cNvCxnSpPr/>
+          <p:nvPr/>
+        </p:nvCxnSpPr>
+        <p:spPr>
+          <a:xfrm flipH="1">
+            <a:off x="2631590" y="2575175"/>
+            <a:ext cx="210434" cy="313753"/>
+          </a:xfrm>
+          <a:prstGeom prst="line">
+            <a:avLst/>
+          </a:prstGeom>
+          <a:ln w="28575">
+            <a:solidFill>
+              <a:srgbClr val="FF0000"/>
+            </a:solidFill>
+          </a:ln>
+        </p:spPr>
+        <p:style>
+          <a:lnRef idx="1">
+            <a:schemeClr val="accent1"/>
+          </a:lnRef>
+          <a:fillRef idx="0">
+            <a:schemeClr val="accent1"/>
+          </a:fillRef>
+          <a:effectRef idx="0">
+            <a:schemeClr val="accent1"/>
+          </a:effectRef>
+          <a:fontRef idx="minor">
+            <a:schemeClr val="tx1"/>
+          </a:fontRef>
+        </p:style>
+      </p:cxnSp>
+      <p:cxnSp>
+        <p:nvCxnSpPr>
+          <p:cNvPr id="61" name="Connecteur droit 60"/>
+          <p:cNvCxnSpPr/>
+          <p:nvPr/>
+        </p:nvCxnSpPr>
+        <p:spPr>
+          <a:xfrm flipH="1" flipV="1">
+            <a:off x="2628470" y="2882493"/>
+            <a:ext cx="108337" cy="72660"/>
+          </a:xfrm>
+          <a:prstGeom prst="line">
+            <a:avLst/>
+          </a:prstGeom>
+          <a:ln w="28575">
+            <a:solidFill>
+              <a:srgbClr val="FF0000"/>
+            </a:solidFill>
+          </a:ln>
+        </p:spPr>
+        <p:style>
+          <a:lnRef idx="1">
+            <a:schemeClr val="accent1"/>
+          </a:lnRef>
+          <a:fillRef idx="0">
+            <a:schemeClr val="accent1"/>
+          </a:fillRef>
+          <a:effectRef idx="0">
+            <a:schemeClr val="accent1"/>
+          </a:effectRef>
+          <a:fontRef idx="minor">
+            <a:schemeClr val="tx1"/>
+          </a:fontRef>
+        </p:style>
+      </p:cxnSp>
+      <p:cxnSp>
+        <p:nvCxnSpPr>
+          <p:cNvPr id="73" name="Connecteur droit 72"/>
+          <p:cNvCxnSpPr>
+            <a:stCxn id="21" idx="4"/>
+          </p:cNvCxnSpPr>
+          <p:nvPr/>
+        </p:nvCxnSpPr>
+        <p:spPr>
+          <a:xfrm flipH="1">
+            <a:off x="3751603" y="2156495"/>
+            <a:ext cx="312041" cy="908298"/>
+          </a:xfrm>
+          <a:prstGeom prst="line">
+            <a:avLst/>
+          </a:prstGeom>
+          <a:noFill/>
+          <a:ln w="28575"/>
+        </p:spPr>
+        <p:style>
+          <a:lnRef idx="2">
+            <a:schemeClr val="accent1">
+              <a:shade val="50000"/>
+            </a:schemeClr>
+          </a:lnRef>
+          <a:fillRef idx="1">
+            <a:schemeClr val="accent1"/>
+          </a:fillRef>
+          <a:effectRef idx="0">
+            <a:schemeClr val="accent1"/>
+          </a:effectRef>
+          <a:fontRef idx="minor">
+            <a:schemeClr val="lt1"/>
+          </a:fontRef>
+        </p:style>
+      </p:cxnSp>
+      <p:cxnSp>
+        <p:nvCxnSpPr>
+          <p:cNvPr id="74" name="Connecteur droit 73"/>
+          <p:cNvCxnSpPr/>
+          <p:nvPr/>
+        </p:nvCxnSpPr>
+        <p:spPr>
+          <a:xfrm rot="20700000" flipH="1">
+            <a:off x="3492630" y="3111070"/>
+            <a:ext cx="214661" cy="320055"/>
+          </a:xfrm>
+          <a:prstGeom prst="line">
+            <a:avLst/>
+          </a:prstGeom>
+          <a:ln w="28575">
+            <a:solidFill>
+              <a:srgbClr val="FF0000"/>
+            </a:solidFill>
+          </a:ln>
+        </p:spPr>
+        <p:style>
+          <a:lnRef idx="1">
+            <a:schemeClr val="accent1"/>
+          </a:lnRef>
+          <a:fillRef idx="0">
+            <a:schemeClr val="accent1"/>
+          </a:fillRef>
+          <a:effectRef idx="0">
+            <a:schemeClr val="accent1"/>
+          </a:effectRef>
+          <a:fontRef idx="minor">
+            <a:schemeClr val="tx1"/>
+          </a:fontRef>
+        </p:style>
+      </p:cxnSp>
+      <p:cxnSp>
+        <p:nvCxnSpPr>
+          <p:cNvPr id="75" name="Connecteur droit 74"/>
+          <p:cNvCxnSpPr/>
+          <p:nvPr/>
+        </p:nvCxnSpPr>
+        <p:spPr>
+          <a:xfrm rot="20700000" flipH="1" flipV="1">
+            <a:off x="3659749" y="3062918"/>
+            <a:ext cx="135799" cy="91080"/>
+          </a:xfrm>
+          <a:prstGeom prst="line">
+            <a:avLst/>
+          </a:prstGeom>
+          <a:ln w="28575">
+            <a:solidFill>
+              <a:srgbClr val="FF0000"/>
+            </a:solidFill>
+          </a:ln>
+        </p:spPr>
+        <p:style>
+          <a:lnRef idx="1">
+            <a:schemeClr val="accent1"/>
+          </a:lnRef>
+          <a:fillRef idx="0">
+            <a:schemeClr val="accent1"/>
+          </a:fillRef>
+          <a:effectRef idx="0">
+            <a:schemeClr val="accent1"/>
+          </a:effectRef>
+          <a:fontRef idx="minor">
+            <a:schemeClr val="tx1"/>
+          </a:fontRef>
+        </p:style>
+      </p:cxnSp>
+      <p:cxnSp>
+        <p:nvCxnSpPr>
+          <p:cNvPr id="76" name="Connecteur droit 75"/>
+          <p:cNvCxnSpPr/>
+          <p:nvPr/>
+        </p:nvCxnSpPr>
+        <p:spPr>
+          <a:xfrm rot="20700000" flipH="1">
+            <a:off x="3635435" y="3157199"/>
+            <a:ext cx="214661" cy="320055"/>
+          </a:xfrm>
+          <a:prstGeom prst="line">
+            <a:avLst/>
+          </a:prstGeom>
+          <a:ln w="28575">
+            <a:solidFill>
+              <a:srgbClr val="FF0000"/>
+            </a:solidFill>
+          </a:ln>
+        </p:spPr>
+        <p:style>
+          <a:lnRef idx="1">
+            <a:schemeClr val="accent1"/>
+          </a:lnRef>
+          <a:fillRef idx="0">
+            <a:schemeClr val="accent1"/>
+          </a:fillRef>
+          <a:effectRef idx="0">
+            <a:schemeClr val="accent1"/>
+          </a:effectRef>
+          <a:fontRef idx="minor">
+            <a:schemeClr val="tx1"/>
+          </a:fontRef>
+        </p:style>
+      </p:cxnSp>
+      <p:cxnSp>
+        <p:nvCxnSpPr>
+          <p:cNvPr id="77" name="Connecteur droit 76"/>
+          <p:cNvCxnSpPr/>
+          <p:nvPr/>
+        </p:nvCxnSpPr>
+        <p:spPr>
+          <a:xfrm rot="20700000" flipH="1" flipV="1">
+            <a:off x="3543964" y="3418413"/>
+            <a:ext cx="135799" cy="91080"/>
+          </a:xfrm>
+          <a:prstGeom prst="line">
+            <a:avLst/>
+          </a:prstGeom>
+          <a:ln w="28575">
+            <a:solidFill>
+              <a:srgbClr val="FF0000"/>
+            </a:solidFill>
+          </a:ln>
+        </p:spPr>
+        <p:style>
+          <a:lnRef idx="1">
+            <a:schemeClr val="accent1"/>
+          </a:lnRef>
+          <a:fillRef idx="0">
+            <a:schemeClr val="accent1"/>
+          </a:fillRef>
+          <a:effectRef idx="0">
+            <a:schemeClr val="accent1"/>
+          </a:effectRef>
+          <a:fontRef idx="minor">
+            <a:schemeClr val="tx1"/>
+          </a:fontRef>
+        </p:style>
+      </p:cxnSp>
+      <p:cxnSp>
+        <p:nvCxnSpPr>
+          <p:cNvPr id="78" name="Connecteur droit 77"/>
+          <p:cNvCxnSpPr/>
+          <p:nvPr/>
+        </p:nvCxnSpPr>
+        <p:spPr>
+          <a:xfrm rot="20700000" flipH="1">
+            <a:off x="3648540" y="3067051"/>
+            <a:ext cx="68410" cy="15912"/>
+          </a:xfrm>
+          <a:prstGeom prst="line">
+            <a:avLst/>
+          </a:prstGeom>
+          <a:ln w="28575">
+            <a:solidFill>
+              <a:srgbClr val="FF0000"/>
+            </a:solidFill>
+          </a:ln>
+        </p:spPr>
+        <p:style>
+          <a:lnRef idx="1">
+            <a:schemeClr val="accent1"/>
+          </a:lnRef>
+          <a:fillRef idx="0">
+            <a:schemeClr val="accent1"/>
+          </a:fillRef>
+          <a:effectRef idx="0">
+            <a:schemeClr val="accent1"/>
+          </a:effectRef>
+          <a:fontRef idx="minor">
+            <a:schemeClr val="tx1"/>
+          </a:fontRef>
+        </p:style>
+      </p:cxnSp>
+      <p:cxnSp>
+        <p:nvCxnSpPr>
+          <p:cNvPr id="79" name="Connecteur droit 78"/>
+          <p:cNvCxnSpPr/>
+          <p:nvPr/>
+        </p:nvCxnSpPr>
+        <p:spPr>
+          <a:xfrm rot="20700000" flipH="1">
+            <a:off x="3787550" y="3114195"/>
+            <a:ext cx="68410" cy="15912"/>
+          </a:xfrm>
+          <a:prstGeom prst="line">
+            <a:avLst/>
+          </a:prstGeom>
+          <a:ln w="28575">
+            <a:solidFill>
+              <a:srgbClr val="FF0000"/>
+            </a:solidFill>
+          </a:ln>
+        </p:spPr>
+        <p:style>
+          <a:lnRef idx="1">
+            <a:schemeClr val="accent1"/>
+          </a:lnRef>
+          <a:fillRef idx="0">
+            <a:schemeClr val="accent1"/>
+          </a:fillRef>
+          <a:effectRef idx="0">
+            <a:schemeClr val="accent1"/>
+          </a:effectRef>
+          <a:fontRef idx="minor">
+            <a:schemeClr val="tx1"/>
+          </a:fontRef>
+        </p:style>
+      </p:cxnSp>
+      <p:cxnSp>
+        <p:nvCxnSpPr>
+          <p:cNvPr id="80" name="Connecteur droit 79"/>
+          <p:cNvCxnSpPr/>
+          <p:nvPr/>
+        </p:nvCxnSpPr>
+        <p:spPr>
+          <a:xfrm rot="20700000" flipH="1" flipV="1">
+            <a:off x="3712772" y="3040473"/>
+            <a:ext cx="135799" cy="91080"/>
+          </a:xfrm>
+          <a:prstGeom prst="line">
+            <a:avLst/>
+          </a:prstGeom>
+          <a:ln w="28575">
+            <a:solidFill>
+              <a:srgbClr val="FF0000"/>
+            </a:solidFill>
+          </a:ln>
+        </p:spPr>
+        <p:style>
+          <a:lnRef idx="1">
+            <a:schemeClr val="accent1"/>
+          </a:lnRef>
+          <a:fillRef idx="0">
+            <a:schemeClr val="accent1"/>
+          </a:fillRef>
+          <a:effectRef idx="0">
+            <a:schemeClr val="accent1"/>
+          </a:effectRef>
+          <a:fontRef idx="minor">
+            <a:schemeClr val="tx1"/>
+          </a:fontRef>
+        </p:style>
+      </p:cxnSp>
+      <p:cxnSp>
+        <p:nvCxnSpPr>
+          <p:cNvPr id="81" name="Connecteur droit 80"/>
+          <p:cNvCxnSpPr/>
+          <p:nvPr/>
+        </p:nvCxnSpPr>
+        <p:spPr>
+          <a:xfrm rot="20700000" flipH="1">
+            <a:off x="3685570" y="3123973"/>
+            <a:ext cx="214661" cy="320055"/>
+          </a:xfrm>
+          <a:prstGeom prst="line">
+            <a:avLst/>
+          </a:prstGeom>
+          <a:ln w="28575">
+            <a:solidFill>
+              <a:srgbClr val="FF0000"/>
+            </a:solidFill>
+          </a:ln>
+        </p:spPr>
+        <p:style>
+          <a:lnRef idx="1">
+            <a:schemeClr val="accent1"/>
+          </a:lnRef>
+          <a:fillRef idx="0">
+            <a:schemeClr val="accent1"/>
+          </a:fillRef>
+          <a:effectRef idx="0">
+            <a:schemeClr val="accent1"/>
+          </a:effectRef>
+          <a:fontRef idx="minor">
+            <a:schemeClr val="tx1"/>
+          </a:fontRef>
+        </p:style>
+      </p:cxnSp>
+      <p:cxnSp>
+        <p:nvCxnSpPr>
+          <p:cNvPr id="82" name="Connecteur droit 81"/>
+          <p:cNvCxnSpPr/>
+          <p:nvPr/>
+        </p:nvCxnSpPr>
+        <p:spPr>
+          <a:xfrm rot="20700000" flipH="1">
+            <a:off x="3674262" y="3469022"/>
+            <a:ext cx="68410" cy="15912"/>
+          </a:xfrm>
+          <a:prstGeom prst="line">
+            <a:avLst/>
+          </a:prstGeom>
+          <a:ln w="28575">
+            <a:solidFill>
+              <a:srgbClr val="FF0000"/>
+            </a:solidFill>
+          </a:ln>
+        </p:spPr>
+        <p:style>
+          <a:lnRef idx="1">
+            <a:schemeClr val="accent1"/>
+          </a:lnRef>
+          <a:fillRef idx="0">
+            <a:schemeClr val="accent1"/>
+          </a:fillRef>
+          <a:effectRef idx="0">
+            <a:schemeClr val="accent1"/>
+          </a:effectRef>
+          <a:fontRef idx="minor">
+            <a:schemeClr val="tx1"/>
+          </a:fontRef>
+        </p:style>
+      </p:cxnSp>
+      <p:cxnSp>
+        <p:nvCxnSpPr>
+          <p:cNvPr id="83" name="Connecteur droit 82"/>
+          <p:cNvCxnSpPr/>
+          <p:nvPr/>
+        </p:nvCxnSpPr>
+        <p:spPr>
+          <a:xfrm flipH="1">
+            <a:off x="3045362" y="3618933"/>
+            <a:ext cx="508812" cy="1736307"/>
+          </a:xfrm>
+          <a:prstGeom prst="line">
+            <a:avLst/>
+          </a:prstGeom>
+          <a:ln w="28575">
+            <a:solidFill>
+              <a:srgbClr val="FF0000"/>
+            </a:solidFill>
+          </a:ln>
+        </p:spPr>
+        <p:style>
+          <a:lnRef idx="1">
+            <a:schemeClr val="accent1"/>
+          </a:lnRef>
+          <a:fillRef idx="0">
+            <a:schemeClr val="accent1"/>
+          </a:fillRef>
+          <a:effectRef idx="0">
+            <a:schemeClr val="accent1"/>
+          </a:effectRef>
+          <a:fontRef idx="minor">
+            <a:schemeClr val="tx1"/>
+          </a:fontRef>
+        </p:style>
+      </p:cxnSp>
+      <p:cxnSp>
+        <p:nvCxnSpPr>
+          <p:cNvPr id="84" name="Connecteur droit 83"/>
+          <p:cNvCxnSpPr/>
+          <p:nvPr/>
+        </p:nvCxnSpPr>
+        <p:spPr>
+          <a:xfrm rot="20700000" flipH="1" flipV="1">
+            <a:off x="3541385" y="3220684"/>
+            <a:ext cx="67901" cy="45540"/>
+          </a:xfrm>
+          <a:prstGeom prst="line">
+            <a:avLst/>
+          </a:prstGeom>
+          <a:ln w="28575">
+            <a:solidFill>
+              <a:srgbClr val="FF0000"/>
+            </a:solidFill>
+          </a:ln>
+        </p:spPr>
+        <p:style>
+          <a:lnRef idx="1">
+            <a:schemeClr val="accent1"/>
+          </a:lnRef>
+          <a:fillRef idx="0">
+            <a:schemeClr val="accent1"/>
+          </a:fillRef>
+          <a:effectRef idx="0">
+            <a:schemeClr val="accent1"/>
+          </a:effectRef>
+          <a:fontRef idx="minor">
+            <a:schemeClr val="tx1"/>
+          </a:fontRef>
+        </p:style>
+      </p:cxnSp>
+      <p:cxnSp>
+        <p:nvCxnSpPr>
+          <p:cNvPr id="85" name="Connecteur droit 84"/>
+          <p:cNvCxnSpPr/>
+          <p:nvPr/>
+        </p:nvCxnSpPr>
+        <p:spPr>
+          <a:xfrm rot="20700000" flipH="1">
+            <a:off x="3382152" y="3248985"/>
+            <a:ext cx="210434" cy="313753"/>
+          </a:xfrm>
+          <a:prstGeom prst="line">
+            <a:avLst/>
+          </a:prstGeom>
+          <a:ln w="28575">
+            <a:solidFill>
+              <a:srgbClr val="FF0000"/>
+            </a:solidFill>
+          </a:ln>
+        </p:spPr>
+        <p:style>
+          <a:lnRef idx="1">
+            <a:schemeClr val="accent1"/>
+          </a:lnRef>
+          <a:fillRef idx="0">
+            <a:schemeClr val="accent1"/>
+          </a:fillRef>
+          <a:effectRef idx="0">
+            <a:schemeClr val="accent1"/>
+          </a:effectRef>
+          <a:fontRef idx="minor">
+            <a:schemeClr val="tx1"/>
+          </a:fontRef>
+        </p:style>
+      </p:cxnSp>
+      <p:cxnSp>
+        <p:nvCxnSpPr>
+          <p:cNvPr id="86" name="Connecteur droit 85"/>
+          <p:cNvCxnSpPr/>
+          <p:nvPr/>
+        </p:nvCxnSpPr>
+        <p:spPr>
+          <a:xfrm rot="20700000" flipH="1" flipV="1">
+            <a:off x="3429218" y="3563959"/>
+            <a:ext cx="108337" cy="72660"/>
+          </a:xfrm>
+          <a:prstGeom prst="line">
+            <a:avLst/>
+          </a:prstGeom>
+          <a:ln w="28575">
+            <a:solidFill>
+              <a:srgbClr val="FF0000"/>
+            </a:solidFill>
+          </a:ln>
+        </p:spPr>
+        <p:style>
+          <a:lnRef idx="1">
+            <a:schemeClr val="accent1"/>
+          </a:lnRef>
+          <a:fillRef idx="0">
+            <a:schemeClr val="accent1"/>
+          </a:fillRef>
+          <a:effectRef idx="0">
+            <a:schemeClr val="accent1"/>
+          </a:effectRef>
+          <a:fontRef idx="minor">
+            <a:schemeClr val="tx1"/>
+          </a:fontRef>
+        </p:style>
+      </p:cxnSp>
+      <p:cxnSp>
+        <p:nvCxnSpPr>
+          <p:cNvPr id="87" name="Connecteur droit 86"/>
+          <p:cNvCxnSpPr/>
+          <p:nvPr/>
+        </p:nvCxnSpPr>
+        <p:spPr>
+          <a:xfrm rot="20700000">
+            <a:off x="3725472" y="3042451"/>
+            <a:ext cx="57537" cy="97429"/>
+          </a:xfrm>
+          <a:prstGeom prst="line">
+            <a:avLst/>
+          </a:prstGeom>
+          <a:ln w="28575">
+            <a:solidFill>
+              <a:srgbClr val="FF0000"/>
+            </a:solidFill>
+          </a:ln>
+        </p:spPr>
+        <p:style>
+          <a:lnRef idx="1">
+            <a:schemeClr val="accent1"/>
+          </a:lnRef>
+          <a:fillRef idx="0">
+            <a:schemeClr val="accent1"/>
+          </a:fillRef>
+          <a:effectRef idx="0">
+            <a:schemeClr val="accent1"/>
+          </a:effectRef>
+          <a:fontRef idx="minor">
+            <a:schemeClr val="tx1"/>
+          </a:fontRef>
+        </p:style>
+      </p:cxnSp>
+      <p:cxnSp>
+        <p:nvCxnSpPr>
+          <p:cNvPr id="91" name="Connecteur droit 90"/>
+          <p:cNvCxnSpPr/>
+          <p:nvPr/>
+        </p:nvCxnSpPr>
+        <p:spPr>
+          <a:xfrm flipH="1">
+            <a:off x="3568837" y="3453452"/>
+            <a:ext cx="43026" cy="139463"/>
+          </a:xfrm>
+          <a:prstGeom prst="line">
+            <a:avLst/>
+          </a:prstGeom>
+          <a:noFill/>
+          <a:ln w="28575"/>
+        </p:spPr>
+        <p:style>
+          <a:lnRef idx="2">
+            <a:schemeClr val="accent1">
+              <a:shade val="50000"/>
+            </a:schemeClr>
+          </a:lnRef>
+          <a:fillRef idx="1">
+            <a:schemeClr val="accent1"/>
+          </a:fillRef>
+          <a:effectRef idx="0">
+            <a:schemeClr val="accent1"/>
+          </a:effectRef>
+          <a:fontRef idx="minor">
+            <a:schemeClr val="lt1"/>
+          </a:fontRef>
+        </p:style>
+      </p:cxnSp>
+      <p:cxnSp>
+        <p:nvCxnSpPr>
+          <p:cNvPr id="93" name="Connecteur droit 92"/>
+          <p:cNvCxnSpPr/>
+          <p:nvPr/>
+        </p:nvCxnSpPr>
+        <p:spPr>
+          <a:xfrm flipH="1">
+            <a:off x="2774125" y="2820385"/>
+            <a:ext cx="67899" cy="98438"/>
+          </a:xfrm>
+          <a:prstGeom prst="line">
+            <a:avLst/>
+          </a:prstGeom>
+          <a:noFill/>
+          <a:ln w="28575"/>
+        </p:spPr>
+        <p:style>
+          <a:lnRef idx="2">
+            <a:schemeClr val="accent1">
+              <a:shade val="50000"/>
+            </a:schemeClr>
+          </a:lnRef>
+          <a:fillRef idx="1">
+            <a:schemeClr val="accent1"/>
+          </a:fillRef>
+          <a:effectRef idx="0">
+            <a:schemeClr val="accent1"/>
+          </a:effectRef>
+          <a:fontRef idx="minor">
+            <a:schemeClr val="lt1"/>
+          </a:fontRef>
+        </p:style>
+      </p:cxnSp>
+      <p:cxnSp>
+        <p:nvCxnSpPr>
+          <p:cNvPr id="46" name="Connecteur droit 45"/>
+          <p:cNvCxnSpPr/>
+          <p:nvPr/>
+        </p:nvCxnSpPr>
+        <p:spPr>
+          <a:xfrm>
+            <a:off x="4481188" y="4152686"/>
+            <a:ext cx="244196" cy="226852"/>
+          </a:xfrm>
+          <a:prstGeom prst="line">
+            <a:avLst/>
+          </a:prstGeom>
+          <a:ln w="28575">
+            <a:solidFill>
+              <a:schemeClr val="tx1"/>
+            </a:solidFill>
+          </a:ln>
+        </p:spPr>
+        <p:style>
+          <a:lnRef idx="1">
+            <a:schemeClr val="accent1"/>
+          </a:lnRef>
+          <a:fillRef idx="0">
+            <a:schemeClr val="accent1"/>
+          </a:fillRef>
+          <a:effectRef idx="0">
+            <a:schemeClr val="accent1"/>
+          </a:effectRef>
+          <a:fontRef idx="minor">
+            <a:schemeClr val="tx1"/>
+          </a:fontRef>
+        </p:style>
+      </p:cxnSp>
+      <p:sp>
+        <p:nvSpPr>
+          <p:cNvPr id="55" name="Ellipse 54"/>
+          <p:cNvSpPr/>
+          <p:nvPr/>
+        </p:nvSpPr>
+        <p:spPr>
+          <a:xfrm>
+            <a:off x="4675925" y="4202020"/>
+            <a:ext cx="153384" cy="180024"/>
+          </a:xfrm>
+          <a:prstGeom prst="ellipse">
+            <a:avLst/>
+          </a:prstGeom>
+          <a:noFill/>
+          <a:ln w="28575">
+            <a:solidFill>
+              <a:schemeClr val="tx1"/>
+            </a:solidFill>
+          </a:ln>
+        </p:spPr>
+        <p:style>
+          <a:lnRef idx="2">
+            <a:schemeClr val="accent1">
+              <a:shade val="50000"/>
+            </a:schemeClr>
+          </a:lnRef>
+          <a:fillRef idx="1">
+            <a:schemeClr val="accent1"/>
+          </a:fillRef>
+          <a:effectRef idx="0">
+            <a:schemeClr val="accent1"/>
+          </a:effectRef>
+          <a:fontRef idx="minor">
+            <a:schemeClr val="lt1"/>
+          </a:fontRef>
+        </p:style>
+        <p:txBody>
+          <a:bodyPr rtlCol="0" anchor="ctr"/>
+          <a:lstStyle/>
+          <a:p>
+            <a:pPr algn="ctr"/>
+            <a:endParaRPr lang="fr-FR"/>
+          </a:p>
+        </p:txBody>
+      </p:sp>
+      <p:sp>
+        <p:nvSpPr>
+          <p:cNvPr id="56" name="Arc 55"/>
+          <p:cNvSpPr/>
+          <p:nvPr/>
+        </p:nvSpPr>
+        <p:spPr>
+          <a:xfrm>
+            <a:off x="4465834" y="4003091"/>
+            <a:ext cx="154800" cy="180000"/>
+          </a:xfrm>
+          <a:prstGeom prst="arc">
+            <a:avLst>
+              <a:gd name="adj1" fmla="val 8165825"/>
+              <a:gd name="adj2" fmla="val 18054088"/>
+            </a:avLst>
+          </a:prstGeom>
+          <a:noFill/>
+          <a:ln w="28575">
+            <a:solidFill>
+              <a:schemeClr val="tx1"/>
+            </a:solidFill>
+          </a:ln>
+        </p:spPr>
+        <p:style>
+          <a:lnRef idx="2">
+            <a:schemeClr val="accent1">
+              <a:shade val="50000"/>
+            </a:schemeClr>
+          </a:lnRef>
+          <a:fillRef idx="1">
+            <a:schemeClr val="accent1"/>
+          </a:fillRef>
+          <a:effectRef idx="0">
+            <a:schemeClr val="accent1"/>
+          </a:effectRef>
+          <a:fontRef idx="minor">
+            <a:schemeClr val="lt1"/>
+          </a:fontRef>
+        </p:style>
+        <p:txBody>
+          <a:bodyPr rtlCol="0" anchor="ctr"/>
+          <a:lstStyle/>
+          <a:p>
+            <a:pPr algn="ctr"/>
+            <a:endParaRPr lang="fr-FR">
+              <a:solidFill>
+                <a:schemeClr val="lt1"/>
+              </a:solidFill>
+            </a:endParaRPr>
+          </a:p>
+        </p:txBody>
+      </p:sp>
+      <p:cxnSp>
+        <p:nvCxnSpPr>
+          <p:cNvPr id="60" name="Connecteur droit 59"/>
+          <p:cNvCxnSpPr/>
+          <p:nvPr/>
+        </p:nvCxnSpPr>
+        <p:spPr>
+          <a:xfrm>
+            <a:off x="4585113" y="4013499"/>
+            <a:ext cx="202934" cy="188521"/>
+          </a:xfrm>
+          <a:prstGeom prst="line">
+            <a:avLst/>
+          </a:prstGeom>
+          <a:ln w="28575">
+            <a:solidFill>
+              <a:schemeClr val="tx1"/>
+            </a:solidFill>
+          </a:ln>
+        </p:spPr>
+        <p:style>
+          <a:lnRef idx="1">
+            <a:schemeClr val="accent1"/>
+          </a:lnRef>
+          <a:fillRef idx="0">
+            <a:schemeClr val="accent1"/>
+          </a:fillRef>
+          <a:effectRef idx="0">
+            <a:schemeClr val="accent1"/>
+          </a:effectRef>
+          <a:fontRef idx="minor">
+            <a:schemeClr val="tx1"/>
+          </a:fontRef>
+        </p:style>
+      </p:cxnSp>
+      <p:cxnSp>
+        <p:nvCxnSpPr>
+          <p:cNvPr id="62" name="Connecteur droit 61"/>
+          <p:cNvCxnSpPr/>
+          <p:nvPr/>
+        </p:nvCxnSpPr>
+        <p:spPr>
+          <a:xfrm>
+            <a:off x="4752617" y="4292032"/>
+            <a:ext cx="89419" cy="83068"/>
+          </a:xfrm>
+          <a:prstGeom prst="line">
+            <a:avLst/>
+          </a:prstGeom>
+          <a:ln w="28575">
+            <a:solidFill>
+              <a:srgbClr val="7030A0"/>
+            </a:solidFill>
+          </a:ln>
+        </p:spPr>
+        <p:style>
+          <a:lnRef idx="1">
+            <a:schemeClr val="accent1"/>
+          </a:lnRef>
+          <a:fillRef idx="0">
+            <a:schemeClr val="accent1"/>
+          </a:fillRef>
+          <a:effectRef idx="0">
+            <a:schemeClr val="accent1"/>
+          </a:effectRef>
+          <a:fontRef idx="minor">
+            <a:schemeClr val="tx1"/>
+          </a:fontRef>
+        </p:style>
+      </p:cxnSp>
+      <p:cxnSp>
+        <p:nvCxnSpPr>
+          <p:cNvPr id="63" name="Connecteur droit 62"/>
+          <p:cNvCxnSpPr/>
+          <p:nvPr/>
+        </p:nvCxnSpPr>
+        <p:spPr>
+          <a:xfrm>
+            <a:off x="4302234" y="3885662"/>
+            <a:ext cx="178954" cy="166244"/>
+          </a:xfrm>
+          <a:prstGeom prst="line">
+            <a:avLst/>
+          </a:prstGeom>
+          <a:ln w="28575">
+            <a:solidFill>
+              <a:srgbClr val="7030A0"/>
+            </a:solidFill>
+          </a:ln>
+        </p:spPr>
+        <p:style>
+          <a:lnRef idx="1">
+            <a:schemeClr val="accent1"/>
+          </a:lnRef>
+          <a:fillRef idx="0">
+            <a:schemeClr val="accent1"/>
+          </a:fillRef>
+          <a:effectRef idx="0">
+            <a:schemeClr val="accent1"/>
+          </a:effectRef>
+          <a:fontRef idx="minor">
+            <a:schemeClr val="tx1"/>
+          </a:fontRef>
+        </p:style>
+      </p:cxnSp>
+      <p:cxnSp>
+        <p:nvCxnSpPr>
+          <p:cNvPr id="66" name="Connecteur droit 65"/>
+          <p:cNvCxnSpPr/>
+          <p:nvPr/>
+        </p:nvCxnSpPr>
+        <p:spPr>
+          <a:xfrm flipH="1">
+            <a:off x="4893496" y="3710333"/>
+            <a:ext cx="311414" cy="89778"/>
+          </a:xfrm>
+          <a:prstGeom prst="line">
+            <a:avLst/>
+          </a:prstGeom>
+          <a:ln w="28575">
+            <a:solidFill>
+              <a:srgbClr val="7030A0"/>
+            </a:solidFill>
+          </a:ln>
+        </p:spPr>
+        <p:style>
+          <a:lnRef idx="1">
+            <a:schemeClr val="accent1"/>
+          </a:lnRef>
+          <a:fillRef idx="0">
+            <a:schemeClr val="accent1"/>
+          </a:fillRef>
+          <a:effectRef idx="0">
+            <a:schemeClr val="accent1"/>
+          </a:effectRef>
+          <a:fontRef idx="minor">
+            <a:schemeClr val="tx1"/>
+          </a:fontRef>
+        </p:style>
+      </p:cxnSp>
+      <p:cxnSp>
+        <p:nvCxnSpPr>
+          <p:cNvPr id="72" name="Connecteur droit 71"/>
+          <p:cNvCxnSpPr/>
+          <p:nvPr/>
+        </p:nvCxnSpPr>
+        <p:spPr>
+          <a:xfrm flipH="1">
+            <a:off x="4923551" y="3885662"/>
+            <a:ext cx="311414" cy="89778"/>
+          </a:xfrm>
+          <a:prstGeom prst="line">
+            <a:avLst/>
+          </a:prstGeom>
+          <a:ln w="28575">
+            <a:solidFill>
+              <a:srgbClr val="7030A0"/>
+            </a:solidFill>
+          </a:ln>
+        </p:spPr>
+        <p:style>
+          <a:lnRef idx="1">
+            <a:schemeClr val="accent1"/>
+          </a:lnRef>
+          <a:fillRef idx="0">
+            <a:schemeClr val="accent1"/>
+          </a:fillRef>
+          <a:effectRef idx="0">
+            <a:schemeClr val="accent1"/>
+          </a:effectRef>
+          <a:fontRef idx="minor">
+            <a:schemeClr val="tx1"/>
+          </a:fontRef>
+        </p:style>
+      </p:cxnSp>
+      <p:sp>
+        <p:nvSpPr>
+          <p:cNvPr id="89" name="Arc 88"/>
+          <p:cNvSpPr/>
+          <p:nvPr/>
+        </p:nvSpPr>
+        <p:spPr>
+          <a:xfrm>
+            <a:off x="5127510" y="3708654"/>
+            <a:ext cx="154800" cy="180000"/>
+          </a:xfrm>
+          <a:prstGeom prst="arc">
+            <a:avLst>
+              <a:gd name="adj1" fmla="val 15401402"/>
+              <a:gd name="adj2" fmla="val 4977115"/>
+            </a:avLst>
+          </a:prstGeom>
+          <a:noFill/>
+          <a:ln w="28575">
+            <a:solidFill>
+              <a:srgbClr val="7030A0"/>
+            </a:solidFill>
+          </a:ln>
+        </p:spPr>
+        <p:style>
+          <a:lnRef idx="2">
+            <a:schemeClr val="accent1">
+              <a:shade val="50000"/>
+            </a:schemeClr>
+          </a:lnRef>
+          <a:fillRef idx="1">
+            <a:schemeClr val="accent1"/>
+          </a:fillRef>
+          <a:effectRef idx="0">
+            <a:schemeClr val="accent1"/>
+          </a:effectRef>
+          <a:fontRef idx="minor">
+            <a:schemeClr val="lt1"/>
+          </a:fontRef>
+        </p:style>
+        <p:txBody>
+          <a:bodyPr rtlCol="0" anchor="ctr"/>
+          <a:lstStyle/>
+          <a:p>
+            <a:pPr algn="ctr"/>
+            <a:endParaRPr lang="fr-FR">
+              <a:solidFill>
+                <a:schemeClr val="lt1"/>
+              </a:solidFill>
+            </a:endParaRPr>
+          </a:p>
+        </p:txBody>
+      </p:sp>
+      <p:sp>
+        <p:nvSpPr>
+          <p:cNvPr id="92" name="Ellipse 91"/>
+          <p:cNvSpPr/>
+          <p:nvPr/>
+        </p:nvSpPr>
+        <p:spPr>
+          <a:xfrm>
+            <a:off x="4827597" y="3795650"/>
+            <a:ext cx="153384" cy="180024"/>
+          </a:xfrm>
+          <a:prstGeom prst="ellipse">
+            <a:avLst/>
+          </a:prstGeom>
+          <a:noFill/>
+          <a:ln w="28575">
+            <a:solidFill>
+              <a:srgbClr val="7030A0"/>
+            </a:solidFill>
+          </a:ln>
+        </p:spPr>
+        <p:style>
+          <a:lnRef idx="2">
+            <a:schemeClr val="accent1">
+              <a:shade val="50000"/>
+            </a:schemeClr>
+          </a:lnRef>
+          <a:fillRef idx="1">
+            <a:schemeClr val="accent1"/>
+          </a:fillRef>
+          <a:effectRef idx="0">
+            <a:schemeClr val="accent1"/>
+          </a:effectRef>
+          <a:fontRef idx="minor">
+            <a:schemeClr val="lt1"/>
+          </a:fontRef>
+        </p:style>
+        <p:txBody>
+          <a:bodyPr rtlCol="0" anchor="ctr"/>
+          <a:lstStyle/>
+          <a:p>
+            <a:pPr algn="ctr"/>
+            <a:endParaRPr lang="fr-FR"/>
+          </a:p>
+        </p:txBody>
+      </p:sp>
+      <p:cxnSp>
+        <p:nvCxnSpPr>
+          <p:cNvPr id="94" name="Connecteur droit 93"/>
+          <p:cNvCxnSpPr/>
+          <p:nvPr/>
+        </p:nvCxnSpPr>
+        <p:spPr>
+          <a:xfrm>
+            <a:off x="5005743" y="3678950"/>
+            <a:ext cx="89419" cy="72296"/>
+          </a:xfrm>
+          <a:prstGeom prst="line">
+            <a:avLst/>
+          </a:prstGeom>
+          <a:ln w="28575">
+            <a:solidFill>
+              <a:srgbClr val="7030A0"/>
+            </a:solidFill>
+          </a:ln>
+        </p:spPr>
+        <p:style>
+          <a:lnRef idx="1">
+            <a:schemeClr val="accent1"/>
+          </a:lnRef>
+          <a:fillRef idx="0">
+            <a:schemeClr val="accent1"/>
+          </a:fillRef>
+          <a:effectRef idx="0">
+            <a:schemeClr val="accent1"/>
+          </a:effectRef>
+          <a:fontRef idx="minor">
+            <a:schemeClr val="tx1"/>
+          </a:fontRef>
+        </p:style>
+      </p:cxnSp>
+      <p:cxnSp>
+        <p:nvCxnSpPr>
+          <p:cNvPr id="96" name="Connecteur droit 95"/>
+          <p:cNvCxnSpPr/>
+          <p:nvPr/>
+        </p:nvCxnSpPr>
+        <p:spPr>
+          <a:xfrm flipH="1">
+            <a:off x="4309220" y="3682926"/>
+            <a:ext cx="712840" cy="205506"/>
+          </a:xfrm>
+          <a:prstGeom prst="line">
+            <a:avLst/>
+          </a:prstGeom>
+          <a:ln w="28575">
+            <a:solidFill>
+              <a:srgbClr val="7030A0"/>
+            </a:solidFill>
+          </a:ln>
+        </p:spPr>
+        <p:style>
+          <a:lnRef idx="1">
+            <a:schemeClr val="accent1"/>
+          </a:lnRef>
+          <a:fillRef idx="0">
+            <a:schemeClr val="accent1"/>
+          </a:fillRef>
+          <a:effectRef idx="0">
+            <a:schemeClr val="accent1"/>
+          </a:effectRef>
+          <a:fontRef idx="minor">
+            <a:schemeClr val="tx1"/>
+          </a:fontRef>
+        </p:style>
+      </p:cxnSp>
+      <p:cxnSp>
+        <p:nvCxnSpPr>
+          <p:cNvPr id="97" name="Connecteur droit 96"/>
+          <p:cNvCxnSpPr/>
+          <p:nvPr/>
+        </p:nvCxnSpPr>
+        <p:spPr>
+          <a:xfrm flipH="1">
+            <a:off x="4762172" y="3896268"/>
+            <a:ext cx="118918" cy="34283"/>
+          </a:xfrm>
+          <a:prstGeom prst="line">
+            <a:avLst/>
+          </a:prstGeom>
+          <a:ln w="28575">
+            <a:solidFill>
+              <a:srgbClr val="00B050"/>
+            </a:solidFill>
+          </a:ln>
+        </p:spPr>
+        <p:style>
+          <a:lnRef idx="1">
+            <a:schemeClr val="accent1"/>
+          </a:lnRef>
+          <a:fillRef idx="0">
+            <a:schemeClr val="accent1"/>
+          </a:fillRef>
+          <a:effectRef idx="0">
+            <a:schemeClr val="accent1"/>
+          </a:effectRef>
+          <a:fontRef idx="minor">
+            <a:schemeClr val="tx1"/>
+          </a:fontRef>
+        </p:style>
+      </p:cxnSp>
+      <p:cxnSp>
+        <p:nvCxnSpPr>
+          <p:cNvPr id="98" name="Connecteur droit 97"/>
+          <p:cNvCxnSpPr/>
+          <p:nvPr/>
+        </p:nvCxnSpPr>
+        <p:spPr>
+          <a:xfrm flipH="1">
+            <a:off x="5292096" y="3746413"/>
+            <a:ext cx="90012" cy="25950"/>
+          </a:xfrm>
+          <a:prstGeom prst="line">
+            <a:avLst/>
+          </a:prstGeom>
+          <a:ln w="28575">
+            <a:solidFill>
+              <a:srgbClr val="00B050"/>
+            </a:solidFill>
+          </a:ln>
+        </p:spPr>
+        <p:style>
+          <a:lnRef idx="1">
+            <a:schemeClr val="accent1"/>
+          </a:lnRef>
+          <a:fillRef idx="0">
+            <a:schemeClr val="accent1"/>
+          </a:fillRef>
+          <a:effectRef idx="0">
+            <a:schemeClr val="accent1"/>
+          </a:effectRef>
+          <a:fontRef idx="minor">
+            <a:schemeClr val="tx1"/>
+          </a:fontRef>
+        </p:style>
+      </p:cxnSp>
+      <p:cxnSp>
+        <p:nvCxnSpPr>
+          <p:cNvPr id="99" name="Connecteur droit 98"/>
+          <p:cNvCxnSpPr/>
+          <p:nvPr/>
+        </p:nvCxnSpPr>
+        <p:spPr>
+          <a:xfrm>
+            <a:off x="5392758" y="2844227"/>
+            <a:ext cx="0" cy="900575"/>
+          </a:xfrm>
+          <a:prstGeom prst="line">
+            <a:avLst/>
+          </a:prstGeom>
+          <a:ln w="28575">
+            <a:solidFill>
+              <a:srgbClr val="00B050"/>
+            </a:solidFill>
+          </a:ln>
+        </p:spPr>
+        <p:style>
+          <a:lnRef idx="1">
+            <a:schemeClr val="accent1"/>
+          </a:lnRef>
+          <a:fillRef idx="0">
+            <a:schemeClr val="accent1"/>
+          </a:fillRef>
+          <a:effectRef idx="0">
+            <a:schemeClr val="accent1"/>
+          </a:effectRef>
+          <a:fontRef idx="minor">
+            <a:schemeClr val="tx1"/>
+          </a:fontRef>
+        </p:style>
+      </p:cxnSp>
+      <p:cxnSp>
+        <p:nvCxnSpPr>
+          <p:cNvPr id="100" name="Connecteur droit 99"/>
+          <p:cNvCxnSpPr/>
+          <p:nvPr/>
+        </p:nvCxnSpPr>
+        <p:spPr>
+          <a:xfrm flipH="1">
+            <a:off x="3805023" y="1824236"/>
+            <a:ext cx="348633" cy="100510"/>
+          </a:xfrm>
+          <a:prstGeom prst="line">
+            <a:avLst/>
+          </a:prstGeom>
+          <a:ln w="28575">
+            <a:solidFill>
+              <a:srgbClr val="00B050"/>
+            </a:solidFill>
+          </a:ln>
+        </p:spPr>
+        <p:style>
+          <a:lnRef idx="1">
+            <a:schemeClr val="accent1"/>
+          </a:lnRef>
+          <a:fillRef idx="0">
+            <a:schemeClr val="accent1"/>
+          </a:fillRef>
+          <a:effectRef idx="0">
+            <a:schemeClr val="accent1"/>
+          </a:effectRef>
+          <a:fontRef idx="minor">
+            <a:schemeClr val="tx1"/>
+          </a:fontRef>
+        </p:style>
+      </p:cxnSp>
+      <p:cxnSp>
+        <p:nvCxnSpPr>
+          <p:cNvPr id="101" name="Connecteur droit 100"/>
+          <p:cNvCxnSpPr/>
+          <p:nvPr/>
+        </p:nvCxnSpPr>
+        <p:spPr>
+          <a:xfrm>
+            <a:off x="4115103" y="1811232"/>
+            <a:ext cx="1277655" cy="1032995"/>
+          </a:xfrm>
+          <a:prstGeom prst="line">
+            <a:avLst/>
+          </a:prstGeom>
+          <a:ln w="28575">
+            <a:solidFill>
+              <a:srgbClr val="00B050"/>
+            </a:solidFill>
+          </a:ln>
+        </p:spPr>
+        <p:style>
+          <a:lnRef idx="1">
+            <a:schemeClr val="accent1"/>
+          </a:lnRef>
+          <a:fillRef idx="0">
+            <a:schemeClr val="accent1"/>
+          </a:fillRef>
+          <a:effectRef idx="0">
+            <a:schemeClr val="accent1"/>
+          </a:effectRef>
+          <a:fontRef idx="minor">
+            <a:schemeClr val="tx1"/>
+          </a:fontRef>
+        </p:style>
+      </p:cxnSp>
+      <p:cxnSp>
+        <p:nvCxnSpPr>
+          <p:cNvPr id="104" name="Connecteur droit 103"/>
+          <p:cNvCxnSpPr/>
+          <p:nvPr/>
+        </p:nvCxnSpPr>
+        <p:spPr>
+          <a:xfrm>
+            <a:off x="5280024" y="3772363"/>
+            <a:ext cx="55656" cy="44998"/>
+          </a:xfrm>
+          <a:prstGeom prst="line">
+            <a:avLst/>
+          </a:prstGeom>
+          <a:ln w="28575">
+            <a:solidFill>
+              <a:srgbClr val="00B050"/>
+            </a:solidFill>
+          </a:ln>
+        </p:spPr>
+        <p:style>
+          <a:lnRef idx="1">
+            <a:schemeClr val="accent1"/>
+          </a:lnRef>
+          <a:fillRef idx="0">
+            <a:schemeClr val="accent1"/>
+          </a:fillRef>
+          <a:effectRef idx="0">
+            <a:schemeClr val="accent1"/>
+          </a:effectRef>
+          <a:fontRef idx="minor">
+            <a:schemeClr val="tx1"/>
+          </a:fontRef>
+        </p:style>
+      </p:cxnSp>
+      <p:cxnSp>
+        <p:nvCxnSpPr>
+          <p:cNvPr id="106" name="Connecteur droit 105"/>
+          <p:cNvCxnSpPr/>
+          <p:nvPr/>
+        </p:nvCxnSpPr>
+        <p:spPr>
+          <a:xfrm>
+            <a:off x="4817977" y="3845241"/>
+            <a:ext cx="126225" cy="102053"/>
+          </a:xfrm>
+          <a:prstGeom prst="line">
+            <a:avLst/>
+          </a:prstGeom>
+          <a:ln w="28575">
+            <a:solidFill>
+              <a:srgbClr val="00B050"/>
+            </a:solidFill>
+          </a:ln>
+        </p:spPr>
+        <p:style>
+          <a:lnRef idx="1">
+            <a:schemeClr val="accent1"/>
+          </a:lnRef>
+          <a:fillRef idx="0">
+            <a:schemeClr val="accent1"/>
+          </a:fillRef>
+          <a:effectRef idx="0">
+            <a:schemeClr val="accent1"/>
+          </a:effectRef>
+          <a:fontRef idx="minor">
+            <a:schemeClr val="tx1"/>
+          </a:fontRef>
+        </p:style>
+      </p:cxnSp>
+      <p:cxnSp>
+        <p:nvCxnSpPr>
+          <p:cNvPr id="108" name="Connecteur droit 107"/>
+          <p:cNvCxnSpPr/>
+          <p:nvPr/>
+        </p:nvCxnSpPr>
+        <p:spPr>
+          <a:xfrm flipV="1">
+            <a:off x="4781974" y="4245936"/>
+            <a:ext cx="0" cy="152400"/>
+          </a:xfrm>
+          <a:prstGeom prst="line">
+            <a:avLst/>
+          </a:prstGeom>
+          <a:ln w="28575">
+            <a:solidFill>
+              <a:srgbClr val="7030A0"/>
+            </a:solidFill>
+          </a:ln>
+        </p:spPr>
+        <p:style>
+          <a:lnRef idx="1">
+            <a:schemeClr val="accent1"/>
+          </a:lnRef>
+          <a:fillRef idx="0">
+            <a:schemeClr val="accent1"/>
+          </a:fillRef>
+          <a:effectRef idx="0">
+            <a:schemeClr val="accent1"/>
+          </a:effectRef>
+          <a:fontRef idx="minor">
+            <a:schemeClr val="tx1"/>
+          </a:fontRef>
+        </p:style>
+      </p:cxnSp>
+      <p:cxnSp>
+        <p:nvCxnSpPr>
+          <p:cNvPr id="110" name="Connecteur droit 109"/>
+          <p:cNvCxnSpPr/>
+          <p:nvPr/>
+        </p:nvCxnSpPr>
+        <p:spPr>
+          <a:xfrm flipH="1" flipV="1">
+            <a:off x="4481188" y="3969072"/>
+            <a:ext cx="800" cy="76200"/>
+          </a:xfrm>
+          <a:prstGeom prst="line">
+            <a:avLst/>
+          </a:prstGeom>
+          <a:ln w="28575">
+            <a:solidFill>
+              <a:srgbClr val="7030A0"/>
+            </a:solidFill>
+          </a:ln>
+        </p:spPr>
+        <p:style>
+          <a:lnRef idx="1">
+            <a:schemeClr val="accent1"/>
+          </a:lnRef>
+          <a:fillRef idx="0">
+            <a:schemeClr val="accent1"/>
+          </a:fillRef>
+          <a:effectRef idx="0">
+            <a:schemeClr val="accent1"/>
+          </a:effectRef>
+          <a:fontRef idx="minor">
+            <a:schemeClr val="tx1"/>
+          </a:fontRef>
+        </p:style>
+      </p:cxnSp>
+      <p:cxnSp>
+        <p:nvCxnSpPr>
+          <p:cNvPr id="112" name="Connecteur droit 111"/>
+          <p:cNvCxnSpPr/>
+          <p:nvPr/>
+        </p:nvCxnSpPr>
+        <p:spPr>
+          <a:xfrm flipH="1" flipV="1">
+            <a:off x="3665748" y="1847096"/>
+            <a:ext cx="284055" cy="152400"/>
+          </a:xfrm>
+          <a:prstGeom prst="line">
+            <a:avLst/>
+          </a:prstGeom>
+          <a:ln w="28575">
+            <a:solidFill>
+              <a:srgbClr val="00B050"/>
+            </a:solidFill>
+          </a:ln>
+        </p:spPr>
+        <p:style>
+          <a:lnRef idx="1">
+            <a:schemeClr val="accent1"/>
+          </a:lnRef>
+          <a:fillRef idx="0">
+            <a:schemeClr val="accent1"/>
+          </a:fillRef>
+          <a:effectRef idx="0">
+            <a:schemeClr val="accent1"/>
+          </a:effectRef>
+          <a:fontRef idx="minor">
+            <a:schemeClr val="tx1"/>
+          </a:fontRef>
+        </p:style>
+      </p:cxnSp>
+    </p:spTree>
+    <p:extLst>
+      <p:ext uri="{BB962C8B-B14F-4D97-AF65-F5344CB8AC3E}">
+        <p14:creationId xmlns:p14="http://schemas.microsoft.com/office/powerpoint/2010/main" val="488945080"/>
+      </p:ext>
+    </p:extLst>
+  </p:cSld>
+  <p:clrMapOvr>
+    <a:masterClrMapping/>
+  </p:clrMapOvr>
+</p:sld>
+</file>
+
+<file path=ppt/slides/slide2.xml><?xml version="1.0" encoding="utf-8"?>
+<p:sld xmlns:a="http://schemas.openxmlformats.org/drawingml/2006/main" xmlns:r="http://schemas.openxmlformats.org/officeDocument/2006/relationships" xmlns:p="http://schemas.openxmlformats.org/presentationml/2006/main">
+  <p:cSld>
+    <p:spTree>
+      <p:nvGrpSpPr>
+        <p:cNvPr id="1" name=""/>
+        <p:cNvGrpSpPr/>
+        <p:nvPr/>
+      </p:nvGrpSpPr>
+      <p:grpSpPr>
+        <a:xfrm>
+          <a:off x="0" y="0"/>
+          <a:ext cx="0" cy="0"/>
+          <a:chOff x="0" y="0"/>
+          <a:chExt cx="0" cy="0"/>
+        </a:xfrm>
+      </p:grpSpPr>
+      <p:pic>
+        <p:nvPicPr>
           <p:cNvPr id="1026" name="Picture 2" descr="C:\Enseignements\GitHub\CI_03_EtudeCinematique\04_ChainesFermees\TD_01_LoisES\images\prot_02.png"/>
           <p:cNvPicPr>
             <a:picLocks noChangeAspect="1" noChangeArrowheads="1"/>
@@ -3322,7 +5829,7 @@
     </p:spTree>
     <p:extLst>
       <p:ext uri="{BB962C8B-B14F-4D97-AF65-F5344CB8AC3E}">
-        <p14:creationId xmlns:p14="http://schemas.microsoft.com/office/powerpoint/2010/main" val="488945080"/>
+        <p14:creationId xmlns:p14="http://schemas.microsoft.com/office/powerpoint/2010/main" val="2671696110"/>
       </p:ext>
     </p:extLst>
   </p:cSld>
@@ -3332,7 +5839,7 @@
 </p:sld>
 </file>
 
-<file path=ppt/slides/slide2.xml><?xml version="1.0" encoding="utf-8"?>
+<file path=ppt/slides/slide3.xml><?xml version="1.0" encoding="utf-8"?>
 <p:sld xmlns:a="http://schemas.openxmlformats.org/drawingml/2006/main" xmlns:r="http://schemas.openxmlformats.org/officeDocument/2006/relationships" xmlns:p="http://schemas.openxmlformats.org/presentationml/2006/main">
   <p:cSld>
     <p:spTree>
@@ -3450,8 +5957,8 @@
             </p:style>
           </p:cxnSp>
         </p:grpSp>
-        <mc:AlternateContent xmlns:mc="http://schemas.openxmlformats.org/markup-compatibility/2006">
-          <mc:Choice xmlns:a14="http://schemas.microsoft.com/office/drawing/2010/main" Requires="a14">
+        <mc:AlternateContent xmlns:mc="http://schemas.openxmlformats.org/markup-compatibility/2006" xmlns:a14="http://schemas.microsoft.com/office/drawing/2010/main">
+          <mc:Choice Requires="a14">
             <p:sp>
               <p:nvSpPr>
                 <p:cNvPr id="6" name="ZoneTexte 5"/>
@@ -3474,6 +5981,7 @@
                 </a:bodyPr>
                 <a:lstStyle/>
                 <a:p>
+                  <a:pPr/>
                   <a14:m>
                     <m:oMathPara xmlns:m="http://schemas.openxmlformats.org/officeDocument/2006/math">
                       <m:oMathParaPr>
@@ -3525,7 +6033,7 @@
               </p:txBody>
             </p:sp>
           </mc:Choice>
-          <mc:Fallback>
+          <mc:Fallback xmlns="">
             <p:sp>
               <p:nvSpPr>
                 <p:cNvPr id="6" name="ZoneTexte 5"/>
@@ -3762,8 +6270,8 @@
             </p:txBody>
           </p:sp>
         </p:grpSp>
-        <mc:AlternateContent xmlns:mc="http://schemas.openxmlformats.org/markup-compatibility/2006">
-          <mc:Choice xmlns:a14="http://schemas.microsoft.com/office/drawing/2010/main" Requires="a14">
+        <mc:AlternateContent xmlns:mc="http://schemas.openxmlformats.org/markup-compatibility/2006" xmlns:a14="http://schemas.microsoft.com/office/drawing/2010/main">
+          <mc:Choice Requires="a14">
             <p:sp>
               <p:nvSpPr>
                 <p:cNvPr id="28" name="ZoneTexte 27"/>
@@ -3786,6 +6294,7 @@
                 </a:bodyPr>
                 <a:lstStyle/>
                 <a:p>
+                  <a:pPr/>
                   <a14:m>
                     <m:oMathPara xmlns:m="http://schemas.openxmlformats.org/officeDocument/2006/math">
                       <m:oMathParaPr>
@@ -3837,7 +6346,7 @@
               </p:txBody>
             </p:sp>
           </mc:Choice>
-          <mc:Fallback>
+          <mc:Fallback xmlns="">
             <p:sp>
               <p:nvSpPr>
                 <p:cNvPr id="28" name="ZoneTexte 27"/>
@@ -3876,8 +6385,8 @@
             </p:sp>
           </mc:Fallback>
         </mc:AlternateContent>
-        <mc:AlternateContent xmlns:mc="http://schemas.openxmlformats.org/markup-compatibility/2006">
-          <mc:Choice xmlns:a14="http://schemas.microsoft.com/office/drawing/2010/main" Requires="a14">
+        <mc:AlternateContent xmlns:mc="http://schemas.openxmlformats.org/markup-compatibility/2006" xmlns:a14="http://schemas.microsoft.com/office/drawing/2010/main">
+          <mc:Choice Requires="a14">
             <p:sp>
               <p:nvSpPr>
                 <p:cNvPr id="29" name="ZoneTexte 28"/>
@@ -3900,6 +6409,7 @@
                 </a:bodyPr>
                 <a:lstStyle/>
                 <a:p>
+                  <a:pPr/>
                   <a14:m>
                     <m:oMathPara xmlns:m="http://schemas.openxmlformats.org/officeDocument/2006/math">
                       <m:oMathParaPr>
@@ -3951,7 +6461,7 @@
               </p:txBody>
             </p:sp>
           </mc:Choice>
-          <mc:Fallback>
+          <mc:Fallback xmlns="">
             <p:sp>
               <p:nvSpPr>
                 <p:cNvPr id="29" name="ZoneTexte 28"/>
@@ -3990,8 +6500,8 @@
             </p:sp>
           </mc:Fallback>
         </mc:AlternateContent>
-        <mc:AlternateContent xmlns:mc="http://schemas.openxmlformats.org/markup-compatibility/2006">
-          <mc:Choice xmlns:a14="http://schemas.microsoft.com/office/drawing/2010/main" Requires="a14">
+        <mc:AlternateContent xmlns:mc="http://schemas.openxmlformats.org/markup-compatibility/2006" xmlns:a14="http://schemas.microsoft.com/office/drawing/2010/main">
+          <mc:Choice Requires="a14">
             <p:sp>
               <p:nvSpPr>
                 <p:cNvPr id="30" name="ZoneTexte 29"/>
@@ -4014,6 +6524,7 @@
                 </a:bodyPr>
                 <a:lstStyle/>
                 <a:p>
+                  <a:pPr/>
                   <a14:m>
                     <m:oMathPara xmlns:m="http://schemas.openxmlformats.org/officeDocument/2006/math">
                       <m:oMathParaPr>
@@ -4065,7 +6576,7 @@
               </p:txBody>
             </p:sp>
           </mc:Choice>
-          <mc:Fallback>
+          <mc:Fallback xmlns="">
             <p:sp>
               <p:nvSpPr>
                 <p:cNvPr id="30" name="ZoneTexte 29"/>
@@ -4152,8 +6663,8 @@
             </a:p>
           </p:txBody>
         </p:sp>
-        <mc:AlternateContent xmlns:mc="http://schemas.openxmlformats.org/markup-compatibility/2006">
-          <mc:Choice xmlns:a14="http://schemas.microsoft.com/office/drawing/2010/main" Requires="a14">
+        <mc:AlternateContent xmlns:mc="http://schemas.openxmlformats.org/markup-compatibility/2006" xmlns:a14="http://schemas.microsoft.com/office/drawing/2010/main">
+          <mc:Choice Requires="a14">
             <p:sp>
               <p:nvSpPr>
                 <p:cNvPr id="49" name="ZoneTexte 48"/>
@@ -4176,6 +6687,7 @@
                 </a:bodyPr>
                 <a:lstStyle/>
                 <a:p>
+                  <a:pPr/>
                   <a14:m>
                     <m:oMathPara xmlns:m="http://schemas.openxmlformats.org/officeDocument/2006/math">
                       <m:oMathParaPr>
@@ -4214,7 +6726,7 @@
               </p:txBody>
             </p:sp>
           </mc:Choice>
-          <mc:Fallback>
+          <mc:Fallback xmlns="">
             <p:sp>
               <p:nvSpPr>
                 <p:cNvPr id="49" name="ZoneTexte 48"/>
@@ -4268,8 +6780,8 @@
             <a:chExt cx="2235388" cy="2094605"/>
           </a:xfrm>
         </p:grpSpPr>
-        <mc:AlternateContent xmlns:mc="http://schemas.openxmlformats.org/markup-compatibility/2006">
-          <mc:Choice xmlns:a14="http://schemas.microsoft.com/office/drawing/2010/main" Requires="a14">
+        <mc:AlternateContent xmlns:mc="http://schemas.openxmlformats.org/markup-compatibility/2006" xmlns:a14="http://schemas.microsoft.com/office/drawing/2010/main">
+          <mc:Choice Requires="a14">
             <p:sp>
               <p:nvSpPr>
                 <p:cNvPr id="67" name="ZoneTexte 66"/>
@@ -4292,6 +6804,7 @@
                 </a:bodyPr>
                 <a:lstStyle/>
                 <a:p>
+                  <a:pPr/>
                   <a14:m>
                     <m:oMathPara xmlns:m="http://schemas.openxmlformats.org/officeDocument/2006/math">
                       <m:oMathParaPr>
@@ -4330,7 +6843,7 @@
               </p:txBody>
             </p:sp>
           </mc:Choice>
-          <mc:Fallback>
+          <mc:Fallback xmlns="">
             <p:sp>
               <p:nvSpPr>
                 <p:cNvPr id="67" name="ZoneTexte 66"/>
@@ -4456,8 +6969,8 @@
             </p:style>
           </p:cxnSp>
         </p:grpSp>
-        <mc:AlternateContent xmlns:mc="http://schemas.openxmlformats.org/markup-compatibility/2006">
-          <mc:Choice xmlns:a14="http://schemas.microsoft.com/office/drawing/2010/main" Requires="a14">
+        <mc:AlternateContent xmlns:mc="http://schemas.openxmlformats.org/markup-compatibility/2006" xmlns:a14="http://schemas.microsoft.com/office/drawing/2010/main">
+          <mc:Choice Requires="a14">
             <p:sp>
               <p:nvSpPr>
                 <p:cNvPr id="60" name="ZoneTexte 59"/>
@@ -4480,6 +6993,7 @@
                 </a:bodyPr>
                 <a:lstStyle/>
                 <a:p>
+                  <a:pPr/>
                   <a14:m>
                     <m:oMathPara xmlns:m="http://schemas.openxmlformats.org/officeDocument/2006/math">
                       <m:oMathParaPr>
@@ -4531,7 +7045,7 @@
               </p:txBody>
             </p:sp>
           </mc:Choice>
-          <mc:Fallback>
+          <mc:Fallback xmlns="">
             <p:sp>
               <p:nvSpPr>
                 <p:cNvPr id="60" name="ZoneTexte 59"/>
@@ -4768,8 +7282,8 @@
             </p:txBody>
           </p:sp>
         </p:grpSp>
-        <mc:AlternateContent xmlns:mc="http://schemas.openxmlformats.org/markup-compatibility/2006">
-          <mc:Choice xmlns:a14="http://schemas.microsoft.com/office/drawing/2010/main" Requires="a14">
+        <mc:AlternateContent xmlns:mc="http://schemas.openxmlformats.org/markup-compatibility/2006" xmlns:a14="http://schemas.microsoft.com/office/drawing/2010/main">
+          <mc:Choice Requires="a14">
             <p:sp>
               <p:nvSpPr>
                 <p:cNvPr id="63" name="ZoneTexte 62"/>
@@ -4792,6 +7306,7 @@
                 </a:bodyPr>
                 <a:lstStyle/>
                 <a:p>
+                  <a:pPr/>
                   <a14:m>
                     <m:oMathPara xmlns:m="http://schemas.openxmlformats.org/officeDocument/2006/math">
                       <m:oMathParaPr>
@@ -4843,7 +7358,7 @@
               </p:txBody>
             </p:sp>
           </mc:Choice>
-          <mc:Fallback>
+          <mc:Fallback xmlns="">
             <p:sp>
               <p:nvSpPr>
                 <p:cNvPr id="63" name="ZoneTexte 62"/>
@@ -4882,8 +7397,8 @@
             </p:sp>
           </mc:Fallback>
         </mc:AlternateContent>
-        <mc:AlternateContent xmlns:mc="http://schemas.openxmlformats.org/markup-compatibility/2006">
-          <mc:Choice xmlns:a14="http://schemas.microsoft.com/office/drawing/2010/main" Requires="a14">
+        <mc:AlternateContent xmlns:mc="http://schemas.openxmlformats.org/markup-compatibility/2006" xmlns:a14="http://schemas.microsoft.com/office/drawing/2010/main">
+          <mc:Choice Requires="a14">
             <p:sp>
               <p:nvSpPr>
                 <p:cNvPr id="64" name="ZoneTexte 63"/>
@@ -4906,6 +7421,7 @@
                 </a:bodyPr>
                 <a:lstStyle/>
                 <a:p>
+                  <a:pPr/>
                   <a14:m>
                     <m:oMathPara xmlns:m="http://schemas.openxmlformats.org/officeDocument/2006/math">
                       <m:oMathParaPr>
@@ -4957,7 +7473,7 @@
               </p:txBody>
             </p:sp>
           </mc:Choice>
-          <mc:Fallback>
+          <mc:Fallback xmlns="">
             <p:sp>
               <p:nvSpPr>
                 <p:cNvPr id="64" name="ZoneTexte 63"/>
@@ -4996,8 +7512,8 @@
             </p:sp>
           </mc:Fallback>
         </mc:AlternateContent>
-        <mc:AlternateContent xmlns:mc="http://schemas.openxmlformats.org/markup-compatibility/2006">
-          <mc:Choice xmlns:a14="http://schemas.microsoft.com/office/drawing/2010/main" Requires="a14">
+        <mc:AlternateContent xmlns:mc="http://schemas.openxmlformats.org/markup-compatibility/2006" xmlns:a14="http://schemas.microsoft.com/office/drawing/2010/main">
+          <mc:Choice Requires="a14">
             <p:sp>
               <p:nvSpPr>
                 <p:cNvPr id="65" name="ZoneTexte 64"/>
@@ -5020,6 +7536,7 @@
                 </a:bodyPr>
                 <a:lstStyle/>
                 <a:p>
+                  <a:pPr/>
                   <a14:m>
                     <m:oMathPara xmlns:m="http://schemas.openxmlformats.org/officeDocument/2006/math">
                       <m:oMathParaPr>
@@ -5071,7 +7588,7 @@
               </p:txBody>
             </p:sp>
           </mc:Choice>
-          <mc:Fallback>
+          <mc:Fallback xmlns="">
             <p:sp>
               <p:nvSpPr>
                 <p:cNvPr id="65" name="ZoneTexte 64"/>
@@ -5173,8 +7690,8 @@
             <a:chExt cx="2235388" cy="2094605"/>
           </a:xfrm>
         </p:grpSpPr>
-        <mc:AlternateContent xmlns:mc="http://schemas.openxmlformats.org/markup-compatibility/2006">
-          <mc:Choice xmlns:a14="http://schemas.microsoft.com/office/drawing/2010/main" Requires="a14">
+        <mc:AlternateContent xmlns:mc="http://schemas.openxmlformats.org/markup-compatibility/2006" xmlns:a14="http://schemas.microsoft.com/office/drawing/2010/main">
+          <mc:Choice Requires="a14">
             <p:sp>
               <p:nvSpPr>
                 <p:cNvPr id="83" name="ZoneTexte 82"/>
@@ -5197,6 +7714,7 @@
                 </a:bodyPr>
                 <a:lstStyle/>
                 <a:p>
+                  <a:pPr/>
                   <a14:m>
                     <m:oMathPara xmlns:m="http://schemas.openxmlformats.org/officeDocument/2006/math">
                       <m:oMathParaPr>
@@ -5235,7 +7753,7 @@
               </p:txBody>
             </p:sp>
           </mc:Choice>
-          <mc:Fallback>
+          <mc:Fallback xmlns="">
             <p:sp>
               <p:nvSpPr>
                 <p:cNvPr id="83" name="ZoneTexte 82"/>
@@ -5361,8 +7879,8 @@
             </p:style>
           </p:cxnSp>
         </p:grpSp>
-        <mc:AlternateContent xmlns:mc="http://schemas.openxmlformats.org/markup-compatibility/2006">
-          <mc:Choice xmlns:a14="http://schemas.microsoft.com/office/drawing/2010/main" Requires="a14">
+        <mc:AlternateContent xmlns:mc="http://schemas.openxmlformats.org/markup-compatibility/2006" xmlns:a14="http://schemas.microsoft.com/office/drawing/2010/main">
+          <mc:Choice Requires="a14">
             <p:sp>
               <p:nvSpPr>
                 <p:cNvPr id="76" name="ZoneTexte 75"/>
@@ -5385,6 +7903,7 @@
                 </a:bodyPr>
                 <a:lstStyle/>
                 <a:p>
+                  <a:pPr/>
                   <a14:m>
                     <m:oMathPara xmlns:m="http://schemas.openxmlformats.org/officeDocument/2006/math">
                       <m:oMathParaPr>
@@ -5436,7 +7955,7 @@
               </p:txBody>
             </p:sp>
           </mc:Choice>
-          <mc:Fallback>
+          <mc:Fallback xmlns="">
             <p:sp>
               <p:nvSpPr>
                 <p:cNvPr id="76" name="ZoneTexte 75"/>
@@ -5673,8 +8192,8 @@
             </p:txBody>
           </p:sp>
         </p:grpSp>
-        <mc:AlternateContent xmlns:mc="http://schemas.openxmlformats.org/markup-compatibility/2006">
-          <mc:Choice xmlns:a14="http://schemas.microsoft.com/office/drawing/2010/main" Requires="a14">
+        <mc:AlternateContent xmlns:mc="http://schemas.openxmlformats.org/markup-compatibility/2006" xmlns:a14="http://schemas.microsoft.com/office/drawing/2010/main">
+          <mc:Choice Requires="a14">
             <p:sp>
               <p:nvSpPr>
                 <p:cNvPr id="79" name="ZoneTexte 78"/>
@@ -5697,6 +8216,7 @@
                 </a:bodyPr>
                 <a:lstStyle/>
                 <a:p>
+                  <a:pPr/>
                   <a14:m>
                     <m:oMathPara xmlns:m="http://schemas.openxmlformats.org/officeDocument/2006/math">
                       <m:oMathParaPr>
@@ -5748,7 +8268,7 @@
               </p:txBody>
             </p:sp>
           </mc:Choice>
-          <mc:Fallback>
+          <mc:Fallback xmlns="">
             <p:sp>
               <p:nvSpPr>
                 <p:cNvPr id="79" name="ZoneTexte 78"/>
@@ -5787,8 +8307,8 @@
             </p:sp>
           </mc:Fallback>
         </mc:AlternateContent>
-        <mc:AlternateContent xmlns:mc="http://schemas.openxmlformats.org/markup-compatibility/2006">
-          <mc:Choice xmlns:a14="http://schemas.microsoft.com/office/drawing/2010/main" Requires="a14">
+        <mc:AlternateContent xmlns:mc="http://schemas.openxmlformats.org/markup-compatibility/2006" xmlns:a14="http://schemas.microsoft.com/office/drawing/2010/main">
+          <mc:Choice Requires="a14">
             <p:sp>
               <p:nvSpPr>
                 <p:cNvPr id="80" name="ZoneTexte 79"/>
@@ -5811,6 +8331,7 @@
                 </a:bodyPr>
                 <a:lstStyle/>
                 <a:p>
+                  <a:pPr/>
                   <a14:m>
                     <m:oMathPara xmlns:m="http://schemas.openxmlformats.org/officeDocument/2006/math">
                       <m:oMathParaPr>
@@ -5862,7 +8383,7 @@
               </p:txBody>
             </p:sp>
           </mc:Choice>
-          <mc:Fallback>
+          <mc:Fallback xmlns="">
             <p:sp>
               <p:nvSpPr>
                 <p:cNvPr id="80" name="ZoneTexte 79"/>
@@ -5901,8 +8422,8 @@
             </p:sp>
           </mc:Fallback>
         </mc:AlternateContent>
-        <mc:AlternateContent xmlns:mc="http://schemas.openxmlformats.org/markup-compatibility/2006">
-          <mc:Choice xmlns:a14="http://schemas.microsoft.com/office/drawing/2010/main" Requires="a14">
+        <mc:AlternateContent xmlns:mc="http://schemas.openxmlformats.org/markup-compatibility/2006" xmlns:a14="http://schemas.microsoft.com/office/drawing/2010/main">
+          <mc:Choice Requires="a14">
             <p:sp>
               <p:nvSpPr>
                 <p:cNvPr id="81" name="ZoneTexte 80"/>
@@ -5925,6 +8446,7 @@
                 </a:bodyPr>
                 <a:lstStyle/>
                 <a:p>
+                  <a:pPr/>
                   <a14:m>
                     <m:oMathPara xmlns:m="http://schemas.openxmlformats.org/officeDocument/2006/math">
                       <m:oMathParaPr>
@@ -5976,7 +8498,7 @@
               </p:txBody>
             </p:sp>
           </mc:Choice>
-          <mc:Fallback>
+          <mc:Fallback xmlns="">
             <p:sp>
               <p:nvSpPr>
                 <p:cNvPr id="81" name="ZoneTexte 80"/>
@@ -6077,7 +8599,7 @@
 </p:sld>
 </file>
 
-<file path=ppt/slides/slide3.xml><?xml version="1.0" encoding="utf-8"?>
+<file path=ppt/slides/slide4.xml><?xml version="1.0" encoding="utf-8"?>
 <p:sld xmlns:a="http://schemas.openxmlformats.org/drawingml/2006/main" xmlns:r="http://schemas.openxmlformats.org/officeDocument/2006/relationships" xmlns:p="http://schemas.openxmlformats.org/presentationml/2006/main">
   <p:cSld>
     <p:spTree>
@@ -6493,8 +9015,8 @@
           </a:p>
         </p:txBody>
       </p:sp>
-      <mc:AlternateContent xmlns:mc="http://schemas.openxmlformats.org/markup-compatibility/2006">
-        <mc:Choice xmlns:a14="http://schemas.microsoft.com/office/drawing/2010/main" Requires="a14">
+      <mc:AlternateContent xmlns:mc="http://schemas.openxmlformats.org/markup-compatibility/2006" xmlns:a14="http://schemas.microsoft.com/office/drawing/2010/main">
+        <mc:Choice Requires="a14">
           <p:sp>
             <p:nvSpPr>
               <p:cNvPr id="28" name="Rectangle 27"/>
@@ -6599,7 +9121,7 @@
             </p:txBody>
           </p:sp>
         </mc:Choice>
-        <mc:Fallback>
+        <mc:Fallback xmlns="">
           <p:sp>
             <p:nvSpPr>
               <p:cNvPr id="28" name="Rectangle 27"/>
@@ -6677,8 +9199,8 @@
           </a:fontRef>
         </p:style>
       </p:cxnSp>
-      <mc:AlternateContent xmlns:mc="http://schemas.openxmlformats.org/markup-compatibility/2006">
-        <mc:Choice xmlns:a14="http://schemas.microsoft.com/office/drawing/2010/main" Requires="a14">
+      <mc:AlternateContent xmlns:mc="http://schemas.openxmlformats.org/markup-compatibility/2006" xmlns:a14="http://schemas.microsoft.com/office/drawing/2010/main">
+        <mc:Choice Requires="a14">
           <p:sp>
             <p:nvSpPr>
               <p:cNvPr id="30" name="Rectangle 29"/>
@@ -6758,7 +9280,7 @@
             </p:txBody>
           </p:sp>
         </mc:Choice>
-        <mc:Fallback>
+        <mc:Fallback xmlns="">
           <p:sp>
             <p:nvSpPr>
               <p:cNvPr id="30" name="Rectangle 29"/>
@@ -6836,8 +9358,8 @@
           </a:fontRef>
         </p:style>
       </p:cxnSp>
-      <mc:AlternateContent xmlns:mc="http://schemas.openxmlformats.org/markup-compatibility/2006">
-        <mc:Choice xmlns:a14="http://schemas.microsoft.com/office/drawing/2010/main" Requires="a14">
+      <mc:AlternateContent xmlns:mc="http://schemas.openxmlformats.org/markup-compatibility/2006" xmlns:a14="http://schemas.microsoft.com/office/drawing/2010/main">
+        <mc:Choice Requires="a14">
           <p:sp>
             <p:nvSpPr>
               <p:cNvPr id="32" name="Rectangle 31"/>
@@ -6942,7 +9464,7 @@
             </p:txBody>
           </p:sp>
         </mc:Choice>
-        <mc:Fallback>
+        <mc:Fallback xmlns="">
           <p:sp>
             <p:nvSpPr>
               <p:cNvPr id="32" name="Rectangle 31"/>
@@ -7092,8 +9614,8 @@
           </a:fontRef>
         </p:style>
       </p:cxnSp>
-      <mc:AlternateContent xmlns:mc="http://schemas.openxmlformats.org/markup-compatibility/2006">
-        <mc:Choice xmlns:a14="http://schemas.microsoft.com/office/drawing/2010/main" Requires="a14">
+      <mc:AlternateContent xmlns:mc="http://schemas.openxmlformats.org/markup-compatibility/2006" xmlns:a14="http://schemas.microsoft.com/office/drawing/2010/main">
+        <mc:Choice Requires="a14">
           <p:sp>
             <p:nvSpPr>
               <p:cNvPr id="36" name="ZoneTexte 35"/>
@@ -7116,6 +9638,7 @@
               </a:bodyPr>
               <a:lstStyle/>
               <a:p>
+                <a:pPr/>
                 <a14:m>
                   <m:oMathPara xmlns:m="http://schemas.openxmlformats.org/officeDocument/2006/math">
                     <m:oMathParaPr>
@@ -7155,7 +9678,7 @@
             </p:txBody>
           </p:sp>
         </mc:Choice>
-        <mc:Fallback>
+        <mc:Fallback xmlns="">
           <p:sp>
             <p:nvSpPr>
               <p:cNvPr id="36" name="ZoneTexte 35"/>
@@ -7194,8 +9717,8 @@
           </p:sp>
         </mc:Fallback>
       </mc:AlternateContent>
-      <mc:AlternateContent xmlns:mc="http://schemas.openxmlformats.org/markup-compatibility/2006">
-        <mc:Choice xmlns:a14="http://schemas.microsoft.com/office/drawing/2010/main" Requires="a14">
+      <mc:AlternateContent xmlns:mc="http://schemas.openxmlformats.org/markup-compatibility/2006" xmlns:a14="http://schemas.microsoft.com/office/drawing/2010/main">
+        <mc:Choice Requires="a14">
           <p:sp>
             <p:nvSpPr>
               <p:cNvPr id="37" name="ZoneTexte 36"/>
@@ -7218,6 +9741,7 @@
               </a:bodyPr>
               <a:lstStyle/>
               <a:p>
+                <a:pPr/>
                 <a14:m>
                   <m:oMathPara xmlns:m="http://schemas.openxmlformats.org/officeDocument/2006/math">
                     <m:oMathParaPr>
@@ -7257,7 +9781,7 @@
             </p:txBody>
           </p:sp>
         </mc:Choice>
-        <mc:Fallback>
+        <mc:Fallback xmlns="">
           <p:sp>
             <p:nvSpPr>
               <p:cNvPr id="37" name="ZoneTexte 36"/>
@@ -7296,8 +9820,8 @@
           </p:sp>
         </mc:Fallback>
       </mc:AlternateContent>
-      <mc:AlternateContent xmlns:mc="http://schemas.openxmlformats.org/markup-compatibility/2006">
-        <mc:Choice xmlns:a14="http://schemas.microsoft.com/office/drawing/2010/main" Requires="a14">
+      <mc:AlternateContent xmlns:mc="http://schemas.openxmlformats.org/markup-compatibility/2006" xmlns:a14="http://schemas.microsoft.com/office/drawing/2010/main">
+        <mc:Choice Requires="a14">
           <p:sp>
             <p:nvSpPr>
               <p:cNvPr id="38" name="ZoneTexte 37"/>
@@ -7320,6 +9844,7 @@
               </a:bodyPr>
               <a:lstStyle/>
               <a:p>
+                <a:pPr/>
                 <a14:m>
                   <m:oMathPara xmlns:m="http://schemas.openxmlformats.org/officeDocument/2006/math">
                     <m:oMathParaPr>
@@ -7362,7 +9887,7 @@
             </p:txBody>
           </p:sp>
         </mc:Choice>
-        <mc:Fallback>
+        <mc:Fallback xmlns="">
           <p:sp>
             <p:nvSpPr>
               <p:cNvPr id="38" name="ZoneTexte 37"/>
@@ -7401,8 +9926,8 @@
           </p:sp>
         </mc:Fallback>
       </mc:AlternateContent>
-      <mc:AlternateContent xmlns:mc="http://schemas.openxmlformats.org/markup-compatibility/2006">
-        <mc:Choice xmlns:a14="http://schemas.microsoft.com/office/drawing/2010/main" Requires="a14">
+      <mc:AlternateContent xmlns:mc="http://schemas.openxmlformats.org/markup-compatibility/2006" xmlns:a14="http://schemas.microsoft.com/office/drawing/2010/main">
+        <mc:Choice Requires="a14">
           <p:sp>
             <p:nvSpPr>
               <p:cNvPr id="39" name="ZoneTexte 38"/>
@@ -7425,6 +9950,7 @@
               </a:bodyPr>
               <a:lstStyle/>
               <a:p>
+                <a:pPr/>
                 <a14:m>
                   <m:oMathPara xmlns:m="http://schemas.openxmlformats.org/officeDocument/2006/math">
                     <m:oMathParaPr>
@@ -7467,7 +9993,7 @@
             </p:txBody>
           </p:sp>
         </mc:Choice>
-        <mc:Fallback>
+        <mc:Fallback xmlns="">
           <p:sp>
             <p:nvSpPr>
               <p:cNvPr id="39" name="ZoneTexte 38"/>
